--- a/experiments/EPT_HB.pptx
+++ b/experiments/EPT_HB.pptx
@@ -5,56 +5,41 @@
     <p:sldMasterId id="2147483648" r:id="rId1"/>
   </p:sldMasterIdLst>
   <p:notesMasterIdLst>
-    <p:notesMasterId r:id="rId49"/>
+    <p:notesMasterId r:id="rId34"/>
   </p:notesMasterIdLst>
   <p:sldIdLst>
-    <p:sldId id="267" r:id="rId2"/>
-    <p:sldId id="307" r:id="rId3"/>
-    <p:sldId id="257" r:id="rId4"/>
-    <p:sldId id="263" r:id="rId5"/>
-    <p:sldId id="259" r:id="rId6"/>
-    <p:sldId id="258" r:id="rId7"/>
-    <p:sldId id="261" r:id="rId8"/>
-    <p:sldId id="260" r:id="rId9"/>
-    <p:sldId id="265" r:id="rId10"/>
-    <p:sldId id="290" r:id="rId11"/>
-    <p:sldId id="305" r:id="rId12"/>
-    <p:sldId id="266" r:id="rId13"/>
-    <p:sldId id="306" r:id="rId14"/>
-    <p:sldId id="293" r:id="rId15"/>
-    <p:sldId id="268" r:id="rId16"/>
-    <p:sldId id="269" r:id="rId17"/>
-    <p:sldId id="270" r:id="rId18"/>
-    <p:sldId id="271" r:id="rId19"/>
-    <p:sldId id="286" r:id="rId20"/>
-    <p:sldId id="272" r:id="rId21"/>
-    <p:sldId id="294" r:id="rId22"/>
-    <p:sldId id="273" r:id="rId23"/>
-    <p:sldId id="295" r:id="rId24"/>
-    <p:sldId id="274" r:id="rId25"/>
-    <p:sldId id="296" r:id="rId26"/>
-    <p:sldId id="275" r:id="rId27"/>
-    <p:sldId id="288" r:id="rId28"/>
-    <p:sldId id="276" r:id="rId29"/>
-    <p:sldId id="287" r:id="rId30"/>
-    <p:sldId id="277" r:id="rId31"/>
-    <p:sldId id="297" r:id="rId32"/>
-    <p:sldId id="278" r:id="rId33"/>
-    <p:sldId id="298" r:id="rId34"/>
-    <p:sldId id="279" r:id="rId35"/>
-    <p:sldId id="289" r:id="rId36"/>
-    <p:sldId id="280" r:id="rId37"/>
-    <p:sldId id="299" r:id="rId38"/>
-    <p:sldId id="281" r:id="rId39"/>
-    <p:sldId id="300" r:id="rId40"/>
-    <p:sldId id="282" r:id="rId41"/>
-    <p:sldId id="303" r:id="rId42"/>
-    <p:sldId id="283" r:id="rId43"/>
-    <p:sldId id="302" r:id="rId44"/>
-    <p:sldId id="284" r:id="rId45"/>
-    <p:sldId id="301" r:id="rId46"/>
-    <p:sldId id="285" r:id="rId47"/>
-    <p:sldId id="304" r:id="rId48"/>
+    <p:sldId id="269" r:id="rId2"/>
+    <p:sldId id="270" r:id="rId3"/>
+    <p:sldId id="271" r:id="rId4"/>
+    <p:sldId id="286" r:id="rId5"/>
+    <p:sldId id="272" r:id="rId6"/>
+    <p:sldId id="294" r:id="rId7"/>
+    <p:sldId id="273" r:id="rId8"/>
+    <p:sldId id="295" r:id="rId9"/>
+    <p:sldId id="274" r:id="rId10"/>
+    <p:sldId id="296" r:id="rId11"/>
+    <p:sldId id="275" r:id="rId12"/>
+    <p:sldId id="288" r:id="rId13"/>
+    <p:sldId id="276" r:id="rId14"/>
+    <p:sldId id="287" r:id="rId15"/>
+    <p:sldId id="277" r:id="rId16"/>
+    <p:sldId id="297" r:id="rId17"/>
+    <p:sldId id="278" r:id="rId18"/>
+    <p:sldId id="298" r:id="rId19"/>
+    <p:sldId id="279" r:id="rId20"/>
+    <p:sldId id="289" r:id="rId21"/>
+    <p:sldId id="280" r:id="rId22"/>
+    <p:sldId id="299" r:id="rId23"/>
+    <p:sldId id="281" r:id="rId24"/>
+    <p:sldId id="300" r:id="rId25"/>
+    <p:sldId id="282" r:id="rId26"/>
+    <p:sldId id="303" r:id="rId27"/>
+    <p:sldId id="283" r:id="rId28"/>
+    <p:sldId id="302" r:id="rId29"/>
+    <p:sldId id="284" r:id="rId30"/>
+    <p:sldId id="301" r:id="rId31"/>
+    <p:sldId id="285" r:id="rId32"/>
+    <p:sldId id="304" r:id="rId33"/>
   </p:sldIdLst>
   <p:sldSz cx="9144000" cy="6858000" type="screen4x3"/>
   <p:notesSz cx="6858000" cy="9144000"/>
@@ -254,7 +239,7 @@
           <a:p>
             <a:fld id="{C5F7616F-F131-4712-ABF3-F6A2F2035B06}" type="datetimeFigureOut">
               <a:rPr lang="en-US" smtClean="0"/>
-              <a:t>5/6/2021</a:t>
+              <a:t>5/8/2021</a:t>
             </a:fld>
             <a:endParaRPr lang="en-US"/>
           </a:p>
@@ -526,7 +511,7 @@
   <p:cSld>
     <p:spTree>
       <p:nvGrpSpPr>
-        <p:cNvPr id="1" name="Shape 80"/>
+        <p:cNvPr id="1" name="Shape 170"/>
         <p:cNvGrpSpPr/>
         <p:nvPr/>
       </p:nvGrpSpPr>
@@ -540,7 +525,7 @@
       </p:grpSpPr>
       <p:sp>
         <p:nvSpPr>
-          <p:cNvPr id="81" name="Google Shape;81;p1:notes"/>
+          <p:cNvPr id="171" name="Google Shape;171;p17:notes"/>
           <p:cNvSpPr txBox="1">
             <a:spLocks noGrp="1"/>
           </p:cNvSpPr>
@@ -578,7 +563,7 @@
       </p:sp>
       <p:sp>
         <p:nvSpPr>
-          <p:cNvPr id="82" name="Google Shape;82;p1:notes"/>
+          <p:cNvPr id="172" name="Google Shape;172;p17:notes"/>
           <p:cNvSpPr>
             <a:spLocks noGrp="1" noRot="1" noChangeAspect="1"/>
           </p:cNvSpPr>
@@ -618,6 +603,11 @@
         </p:spPr>
       </p:sp>
     </p:spTree>
+    <p:extLst>
+      <p:ext uri="{BB962C8B-B14F-4D97-AF65-F5344CB8AC3E}">
+        <p14:creationId xmlns:p14="http://schemas.microsoft.com/office/powerpoint/2010/main" val="1610074407"/>
+      </p:ext>
+    </p:extLst>
   </p:cSld>
   <p:clrMapOvr>
     <a:masterClrMapping/>
@@ -625,7 +615,7 @@
 </p:notes>
 </file>
 
-<file path=ppt/notesSlides/notesSlide10.xml><?xml version="1.0" encoding="utf-8"?>
+<file path=ppt/notesSlides/notesSlide2.xml><?xml version="1.0" encoding="utf-8"?>
 <p:notes xmlns:a="http://schemas.openxmlformats.org/drawingml/2006/main" xmlns:r="http://schemas.openxmlformats.org/officeDocument/2006/relationships" xmlns:p="http://schemas.openxmlformats.org/presentationml/2006/main" showMasterSp="0" showMasterPhAnim="0">
   <p:cSld>
     <p:spTree>
@@ -722,11 +712,6 @@
         </p:spPr>
       </p:sp>
     </p:spTree>
-    <p:extLst>
-      <p:ext uri="{BB962C8B-B14F-4D97-AF65-F5344CB8AC3E}">
-        <p14:creationId xmlns:p14="http://schemas.microsoft.com/office/powerpoint/2010/main" val="2015698234"/>
-      </p:ext>
-    </p:extLst>
   </p:cSld>
   <p:clrMapOvr>
     <a:masterClrMapping/>
@@ -734,12 +719,12 @@
 </p:notes>
 </file>
 
-<file path=ppt/notesSlides/notesSlide11.xml><?xml version="1.0" encoding="utf-8"?>
+<file path=ppt/notesSlides/notesSlide3.xml><?xml version="1.0" encoding="utf-8"?>
 <p:notes xmlns:a="http://schemas.openxmlformats.org/drawingml/2006/main" xmlns:r="http://schemas.openxmlformats.org/officeDocument/2006/relationships" xmlns:p="http://schemas.openxmlformats.org/presentationml/2006/main" showMasterSp="0" showMasterPhAnim="0">
   <p:cSld>
     <p:spTree>
       <p:nvGrpSpPr>
-        <p:cNvPr id="1" name="Shape 170"/>
+        <p:cNvPr id="1" name="Shape 148"/>
         <p:cNvGrpSpPr/>
         <p:nvPr/>
       </p:nvGrpSpPr>
@@ -753,7 +738,7 @@
       </p:grpSpPr>
       <p:sp>
         <p:nvSpPr>
-          <p:cNvPr id="171" name="Google Shape;171;p17:notes"/>
+          <p:cNvPr id="149" name="Google Shape;149;p13:notes"/>
           <p:cNvSpPr txBox="1">
             <a:spLocks noGrp="1"/>
           </p:cNvSpPr>
@@ -791,7 +776,7 @@
       </p:sp>
       <p:sp>
         <p:nvSpPr>
-          <p:cNvPr id="172" name="Google Shape;172;p17:notes"/>
+          <p:cNvPr id="150" name="Google Shape;150;p13:notes"/>
           <p:cNvSpPr>
             <a:spLocks noGrp="1" noRot="1" noChangeAspect="1"/>
           </p:cNvSpPr>
@@ -831,11 +816,6 @@
         </p:spPr>
       </p:sp>
     </p:spTree>
-    <p:extLst>
-      <p:ext uri="{BB962C8B-B14F-4D97-AF65-F5344CB8AC3E}">
-        <p14:creationId xmlns:p14="http://schemas.microsoft.com/office/powerpoint/2010/main" val="3905365611"/>
-      </p:ext>
-    </p:extLst>
   </p:cSld>
   <p:clrMapOvr>
     <a:masterClrMapping/>
@@ -843,12 +823,12 @@
 </p:notes>
 </file>
 
-<file path=ppt/notesSlides/notesSlide2.xml><?xml version="1.0" encoding="utf-8"?>
+<file path=ppt/notesSlides/notesSlide4.xml><?xml version="1.0" encoding="utf-8"?>
 <p:notes xmlns:a="http://schemas.openxmlformats.org/drawingml/2006/main" xmlns:r="http://schemas.openxmlformats.org/officeDocument/2006/relationships" xmlns:p="http://schemas.openxmlformats.org/presentationml/2006/main" showMasterSp="0" showMasterPhAnim="0">
   <p:cSld>
     <p:spTree>
       <p:nvGrpSpPr>
-        <p:cNvPr id="1" name="Shape 120"/>
+        <p:cNvPr id="1" name="Shape 170"/>
         <p:cNvGrpSpPr/>
         <p:nvPr/>
       </p:nvGrpSpPr>
@@ -862,7 +842,7 @@
       </p:grpSpPr>
       <p:sp>
         <p:nvSpPr>
-          <p:cNvPr id="121" name="Google Shape;121;p8:notes"/>
+          <p:cNvPr id="171" name="Google Shape;171;p17:notes"/>
           <p:cNvSpPr txBox="1">
             <a:spLocks noGrp="1"/>
           </p:cNvSpPr>
@@ -900,7 +880,7 @@
       </p:sp>
       <p:sp>
         <p:nvSpPr>
-          <p:cNvPr id="122" name="Google Shape;122;p8:notes"/>
+          <p:cNvPr id="172" name="Google Shape;172;p17:notes"/>
           <p:cNvSpPr>
             <a:spLocks noGrp="1" noRot="1" noChangeAspect="1"/>
           </p:cNvSpPr>
@@ -947,12 +927,12 @@
 </p:notes>
 </file>
 
-<file path=ppt/notesSlides/notesSlide3.xml><?xml version="1.0" encoding="utf-8"?>
+<file path=ppt/notesSlides/notesSlide5.xml><?xml version="1.0" encoding="utf-8"?>
 <p:notes xmlns:a="http://schemas.openxmlformats.org/drawingml/2006/main" xmlns:r="http://schemas.openxmlformats.org/officeDocument/2006/relationships" xmlns:p="http://schemas.openxmlformats.org/presentationml/2006/main" showMasterSp="0" showMasterPhAnim="0">
   <p:cSld>
     <p:spTree>
       <p:nvGrpSpPr>
-        <p:cNvPr id="1" name="Shape 109"/>
+        <p:cNvPr id="1" name="Shape 170"/>
         <p:cNvGrpSpPr/>
         <p:nvPr/>
       </p:nvGrpSpPr>
@@ -966,7 +946,7 @@
       </p:grpSpPr>
       <p:sp>
         <p:nvSpPr>
-          <p:cNvPr id="110" name="Google Shape;110;p6:notes"/>
+          <p:cNvPr id="171" name="Google Shape;171;p17:notes"/>
           <p:cNvSpPr txBox="1">
             <a:spLocks noGrp="1"/>
           </p:cNvSpPr>
@@ -1004,7 +984,7 @@
       </p:sp>
       <p:sp>
         <p:nvSpPr>
-          <p:cNvPr id="111" name="Google Shape;111;p6:notes"/>
+          <p:cNvPr id="172" name="Google Shape;172;p17:notes"/>
           <p:cNvSpPr>
             <a:spLocks noGrp="1" noRot="1" noChangeAspect="1"/>
           </p:cNvSpPr>
@@ -1044,6 +1024,11 @@
         </p:spPr>
       </p:sp>
     </p:spTree>
+    <p:extLst>
+      <p:ext uri="{BB962C8B-B14F-4D97-AF65-F5344CB8AC3E}">
+        <p14:creationId xmlns:p14="http://schemas.microsoft.com/office/powerpoint/2010/main" val="2255998152"/>
+      </p:ext>
+    </p:extLst>
   </p:cSld>
   <p:clrMapOvr>
     <a:masterClrMapping/>
@@ -1051,12 +1036,12 @@
 </p:notes>
 </file>
 
-<file path=ppt/notesSlides/notesSlide4.xml><?xml version="1.0" encoding="utf-8"?>
+<file path=ppt/notesSlides/notesSlide6.xml><?xml version="1.0" encoding="utf-8"?>
 <p:notes xmlns:a="http://schemas.openxmlformats.org/drawingml/2006/main" xmlns:r="http://schemas.openxmlformats.org/officeDocument/2006/relationships" xmlns:p="http://schemas.openxmlformats.org/presentationml/2006/main" showMasterSp="0" showMasterPhAnim="0">
   <p:cSld>
     <p:spTree>
       <p:nvGrpSpPr>
-        <p:cNvPr id="1" name="Shape 170"/>
+        <p:cNvPr id="1" name="Shape 148"/>
         <p:cNvGrpSpPr/>
         <p:nvPr/>
       </p:nvGrpSpPr>
@@ -1070,7 +1055,7 @@
       </p:grpSpPr>
       <p:sp>
         <p:nvSpPr>
-          <p:cNvPr id="171" name="Google Shape;171;p17:notes"/>
+          <p:cNvPr id="149" name="Google Shape;149;p13:notes"/>
           <p:cNvSpPr txBox="1">
             <a:spLocks noGrp="1"/>
           </p:cNvSpPr>
@@ -1108,7 +1093,7 @@
       </p:sp>
       <p:sp>
         <p:nvSpPr>
-          <p:cNvPr id="172" name="Google Shape;172;p17:notes"/>
+          <p:cNvPr id="150" name="Google Shape;150;p13:notes"/>
           <p:cNvSpPr>
             <a:spLocks noGrp="1" noRot="1" noChangeAspect="1"/>
           </p:cNvSpPr>
@@ -1150,7 +1135,7 @@
     </p:spTree>
     <p:extLst>
       <p:ext uri="{BB962C8B-B14F-4D97-AF65-F5344CB8AC3E}">
-        <p14:creationId xmlns:p14="http://schemas.microsoft.com/office/powerpoint/2010/main" val="1610074407"/>
+        <p14:creationId xmlns:p14="http://schemas.microsoft.com/office/powerpoint/2010/main" val="2810382954"/>
       </p:ext>
     </p:extLst>
   </p:cSld>
@@ -1160,7 +1145,7 @@
 </p:notes>
 </file>
 
-<file path=ppt/notesSlides/notesSlide5.xml><?xml version="1.0" encoding="utf-8"?>
+<file path=ppt/notesSlides/notesSlide7.xml><?xml version="1.0" encoding="utf-8"?>
 <p:notes xmlns:a="http://schemas.openxmlformats.org/drawingml/2006/main" xmlns:r="http://schemas.openxmlformats.org/officeDocument/2006/relationships" xmlns:p="http://schemas.openxmlformats.org/presentationml/2006/main" showMasterSp="0" showMasterPhAnim="0">
   <p:cSld>
     <p:spTree>
@@ -1257,6 +1242,11 @@
         </p:spPr>
       </p:sp>
     </p:spTree>
+    <p:extLst>
+      <p:ext uri="{BB962C8B-B14F-4D97-AF65-F5344CB8AC3E}">
+        <p14:creationId xmlns:p14="http://schemas.microsoft.com/office/powerpoint/2010/main" val="2015698234"/>
+      </p:ext>
+    </p:extLst>
   </p:cSld>
   <p:clrMapOvr>
     <a:masterClrMapping/>
@@ -1264,12 +1254,12 @@
 </p:notes>
 </file>
 
-<file path=ppt/notesSlides/notesSlide6.xml><?xml version="1.0" encoding="utf-8"?>
+<file path=ppt/notesSlides/notesSlide8.xml><?xml version="1.0" encoding="utf-8"?>
 <p:notes xmlns:a="http://schemas.openxmlformats.org/drawingml/2006/main" xmlns:r="http://schemas.openxmlformats.org/officeDocument/2006/relationships" xmlns:p="http://schemas.openxmlformats.org/presentationml/2006/main" showMasterSp="0" showMasterPhAnim="0">
   <p:cSld>
     <p:spTree>
       <p:nvGrpSpPr>
-        <p:cNvPr id="1" name="Shape 148"/>
+        <p:cNvPr id="1" name="Shape 170"/>
         <p:cNvGrpSpPr/>
         <p:nvPr/>
       </p:nvGrpSpPr>
@@ -1283,7 +1273,7 @@
       </p:grpSpPr>
       <p:sp>
         <p:nvSpPr>
-          <p:cNvPr id="149" name="Google Shape;149;p13:notes"/>
+          <p:cNvPr id="171" name="Google Shape;171;p17:notes"/>
           <p:cNvSpPr txBox="1">
             <a:spLocks noGrp="1"/>
           </p:cNvSpPr>
@@ -1321,7 +1311,7 @@
       </p:sp>
       <p:sp>
         <p:nvSpPr>
-          <p:cNvPr id="150" name="Google Shape;150;p13:notes"/>
+          <p:cNvPr id="172" name="Google Shape;172;p17:notes"/>
           <p:cNvSpPr>
             <a:spLocks noGrp="1" noRot="1" noChangeAspect="1"/>
           </p:cNvSpPr>
@@ -1361,326 +1351,9 @@
         </p:spPr>
       </p:sp>
     </p:spTree>
-  </p:cSld>
-  <p:clrMapOvr>
-    <a:masterClrMapping/>
-  </p:clrMapOvr>
-</p:notes>
-</file>
-
-<file path=ppt/notesSlides/notesSlide7.xml><?xml version="1.0" encoding="utf-8"?>
-<p:notes xmlns:a="http://schemas.openxmlformats.org/drawingml/2006/main" xmlns:r="http://schemas.openxmlformats.org/officeDocument/2006/relationships" xmlns:p="http://schemas.openxmlformats.org/presentationml/2006/main" showMasterSp="0" showMasterPhAnim="0">
-  <p:cSld>
-    <p:spTree>
-      <p:nvGrpSpPr>
-        <p:cNvPr id="1" name="Shape 170"/>
-        <p:cNvGrpSpPr/>
-        <p:nvPr/>
-      </p:nvGrpSpPr>
-      <p:grpSpPr>
-        <a:xfrm>
-          <a:off x="0" y="0"/>
-          <a:ext cx="0" cy="0"/>
-          <a:chOff x="0" y="0"/>
-          <a:chExt cx="0" cy="0"/>
-        </a:xfrm>
-      </p:grpSpPr>
-      <p:sp>
-        <p:nvSpPr>
-          <p:cNvPr id="171" name="Google Shape;171;p17:notes"/>
-          <p:cNvSpPr txBox="1">
-            <a:spLocks noGrp="1"/>
-          </p:cNvSpPr>
-          <p:nvPr>
-            <p:ph type="body" idx="1"/>
-          </p:nvPr>
-        </p:nvSpPr>
-        <p:spPr>
-          <a:xfrm>
-            <a:off x="685800" y="4343400"/>
-            <a:ext cx="5486400" cy="4114800"/>
-          </a:xfrm>
-          <a:prstGeom prst="rect">
-            <a:avLst/>
-          </a:prstGeom>
-        </p:spPr>
-        <p:txBody>
-          <a:bodyPr spcFirstLastPara="1" wrap="square" lIns="91425" tIns="91425" rIns="91425" bIns="91425" anchor="t" anchorCtr="0">
-            <a:noAutofit/>
-          </a:bodyPr>
-          <a:lstStyle/>
-          <a:p>
-            <a:pPr marL="0" lvl="0" indent="0" algn="l" rtl="0">
-              <a:spcBef>
-                <a:spcPts val="0"/>
-              </a:spcBef>
-              <a:spcAft>
-                <a:spcPts val="0"/>
-              </a:spcAft>
-              <a:buNone/>
-            </a:pPr>
-            <a:endParaRPr/>
-          </a:p>
-        </p:txBody>
-      </p:sp>
-      <p:sp>
-        <p:nvSpPr>
-          <p:cNvPr id="172" name="Google Shape;172;p17:notes"/>
-          <p:cNvSpPr>
-            <a:spLocks noGrp="1" noRot="1" noChangeAspect="1"/>
-          </p:cNvSpPr>
-          <p:nvPr>
-            <p:ph type="sldImg" idx="2"/>
-          </p:nvPr>
-        </p:nvSpPr>
-        <p:spPr>
-          <a:xfrm>
-            <a:off x="1143000" y="685800"/>
-            <a:ext cx="4572000" cy="3429000"/>
-          </a:xfrm>
-          <a:custGeom>
-            <a:avLst/>
-            <a:gdLst/>
-            <a:ahLst/>
-            <a:cxnLst/>
-            <a:rect l="l" t="t" r="r" b="b"/>
-            <a:pathLst>
-              <a:path w="120000" h="120000" extrusionOk="0">
-                <a:moveTo>
-                  <a:pt x="0" y="0"/>
-                </a:moveTo>
-                <a:lnTo>
-                  <a:pt x="120000" y="0"/>
-                </a:lnTo>
-                <a:lnTo>
-                  <a:pt x="120000" y="120000"/>
-                </a:lnTo>
-                <a:lnTo>
-                  <a:pt x="0" y="120000"/>
-                </a:lnTo>
-                <a:close/>
-              </a:path>
-            </a:pathLst>
-          </a:custGeom>
-        </p:spPr>
-      </p:sp>
-    </p:spTree>
-  </p:cSld>
-  <p:clrMapOvr>
-    <a:masterClrMapping/>
-  </p:clrMapOvr>
-</p:notes>
-</file>
-
-<file path=ppt/notesSlides/notesSlide8.xml><?xml version="1.0" encoding="utf-8"?>
-<p:notes xmlns:a="http://schemas.openxmlformats.org/drawingml/2006/main" xmlns:r="http://schemas.openxmlformats.org/officeDocument/2006/relationships" xmlns:p="http://schemas.openxmlformats.org/presentationml/2006/main" showMasterSp="0" showMasterPhAnim="0">
-  <p:cSld>
-    <p:spTree>
-      <p:nvGrpSpPr>
-        <p:cNvPr id="1" name="Shape 170"/>
-        <p:cNvGrpSpPr/>
-        <p:nvPr/>
-      </p:nvGrpSpPr>
-      <p:grpSpPr>
-        <a:xfrm>
-          <a:off x="0" y="0"/>
-          <a:ext cx="0" cy="0"/>
-          <a:chOff x="0" y="0"/>
-          <a:chExt cx="0" cy="0"/>
-        </a:xfrm>
-      </p:grpSpPr>
-      <p:sp>
-        <p:nvSpPr>
-          <p:cNvPr id="171" name="Google Shape;171;p17:notes"/>
-          <p:cNvSpPr txBox="1">
-            <a:spLocks noGrp="1"/>
-          </p:cNvSpPr>
-          <p:nvPr>
-            <p:ph type="body" idx="1"/>
-          </p:nvPr>
-        </p:nvSpPr>
-        <p:spPr>
-          <a:xfrm>
-            <a:off x="685800" y="4343400"/>
-            <a:ext cx="5486400" cy="4114800"/>
-          </a:xfrm>
-          <a:prstGeom prst="rect">
-            <a:avLst/>
-          </a:prstGeom>
-        </p:spPr>
-        <p:txBody>
-          <a:bodyPr spcFirstLastPara="1" wrap="square" lIns="91425" tIns="91425" rIns="91425" bIns="91425" anchor="t" anchorCtr="0">
-            <a:noAutofit/>
-          </a:bodyPr>
-          <a:lstStyle/>
-          <a:p>
-            <a:pPr marL="0" lvl="0" indent="0" algn="l" rtl="0">
-              <a:spcBef>
-                <a:spcPts val="0"/>
-              </a:spcBef>
-              <a:spcAft>
-                <a:spcPts val="0"/>
-              </a:spcAft>
-              <a:buNone/>
-            </a:pPr>
-            <a:endParaRPr/>
-          </a:p>
-        </p:txBody>
-      </p:sp>
-      <p:sp>
-        <p:nvSpPr>
-          <p:cNvPr id="172" name="Google Shape;172;p17:notes"/>
-          <p:cNvSpPr>
-            <a:spLocks noGrp="1" noRot="1" noChangeAspect="1"/>
-          </p:cNvSpPr>
-          <p:nvPr>
-            <p:ph type="sldImg" idx="2"/>
-          </p:nvPr>
-        </p:nvSpPr>
-        <p:spPr>
-          <a:xfrm>
-            <a:off x="1143000" y="685800"/>
-            <a:ext cx="4572000" cy="3429000"/>
-          </a:xfrm>
-          <a:custGeom>
-            <a:avLst/>
-            <a:gdLst/>
-            <a:ahLst/>
-            <a:cxnLst/>
-            <a:rect l="l" t="t" r="r" b="b"/>
-            <a:pathLst>
-              <a:path w="120000" h="120000" extrusionOk="0">
-                <a:moveTo>
-                  <a:pt x="0" y="0"/>
-                </a:moveTo>
-                <a:lnTo>
-                  <a:pt x="120000" y="0"/>
-                </a:lnTo>
-                <a:lnTo>
-                  <a:pt x="120000" y="120000"/>
-                </a:lnTo>
-                <a:lnTo>
-                  <a:pt x="0" y="120000"/>
-                </a:lnTo>
-                <a:close/>
-              </a:path>
-            </a:pathLst>
-          </a:custGeom>
-        </p:spPr>
-      </p:sp>
-    </p:spTree>
     <p:extLst>
       <p:ext uri="{BB962C8B-B14F-4D97-AF65-F5344CB8AC3E}">
-        <p14:creationId xmlns:p14="http://schemas.microsoft.com/office/powerpoint/2010/main" val="2255998152"/>
-      </p:ext>
-    </p:extLst>
-  </p:cSld>
-  <p:clrMapOvr>
-    <a:masterClrMapping/>
-  </p:clrMapOvr>
-</p:notes>
-</file>
-
-<file path=ppt/notesSlides/notesSlide9.xml><?xml version="1.0" encoding="utf-8"?>
-<p:notes xmlns:a="http://schemas.openxmlformats.org/drawingml/2006/main" xmlns:r="http://schemas.openxmlformats.org/officeDocument/2006/relationships" xmlns:p="http://schemas.openxmlformats.org/presentationml/2006/main" showMasterSp="0" showMasterPhAnim="0">
-  <p:cSld>
-    <p:spTree>
-      <p:nvGrpSpPr>
-        <p:cNvPr id="1" name="Shape 148"/>
-        <p:cNvGrpSpPr/>
-        <p:nvPr/>
-      </p:nvGrpSpPr>
-      <p:grpSpPr>
-        <a:xfrm>
-          <a:off x="0" y="0"/>
-          <a:ext cx="0" cy="0"/>
-          <a:chOff x="0" y="0"/>
-          <a:chExt cx="0" cy="0"/>
-        </a:xfrm>
-      </p:grpSpPr>
-      <p:sp>
-        <p:nvSpPr>
-          <p:cNvPr id="149" name="Google Shape;149;p13:notes"/>
-          <p:cNvSpPr txBox="1">
-            <a:spLocks noGrp="1"/>
-          </p:cNvSpPr>
-          <p:nvPr>
-            <p:ph type="body" idx="1"/>
-          </p:nvPr>
-        </p:nvSpPr>
-        <p:spPr>
-          <a:xfrm>
-            <a:off x="685800" y="4343400"/>
-            <a:ext cx="5486400" cy="4114800"/>
-          </a:xfrm>
-          <a:prstGeom prst="rect">
-            <a:avLst/>
-          </a:prstGeom>
-        </p:spPr>
-        <p:txBody>
-          <a:bodyPr spcFirstLastPara="1" wrap="square" lIns="91425" tIns="91425" rIns="91425" bIns="91425" anchor="t" anchorCtr="0">
-            <a:noAutofit/>
-          </a:bodyPr>
-          <a:lstStyle/>
-          <a:p>
-            <a:pPr marL="0" lvl="0" indent="0" algn="l" rtl="0">
-              <a:spcBef>
-                <a:spcPts val="0"/>
-              </a:spcBef>
-              <a:spcAft>
-                <a:spcPts val="0"/>
-              </a:spcAft>
-              <a:buNone/>
-            </a:pPr>
-            <a:endParaRPr/>
-          </a:p>
-        </p:txBody>
-      </p:sp>
-      <p:sp>
-        <p:nvSpPr>
-          <p:cNvPr id="150" name="Google Shape;150;p13:notes"/>
-          <p:cNvSpPr>
-            <a:spLocks noGrp="1" noRot="1" noChangeAspect="1"/>
-          </p:cNvSpPr>
-          <p:nvPr>
-            <p:ph type="sldImg" idx="2"/>
-          </p:nvPr>
-        </p:nvSpPr>
-        <p:spPr>
-          <a:xfrm>
-            <a:off x="1143000" y="685800"/>
-            <a:ext cx="4572000" cy="3429000"/>
-          </a:xfrm>
-          <a:custGeom>
-            <a:avLst/>
-            <a:gdLst/>
-            <a:ahLst/>
-            <a:cxnLst/>
-            <a:rect l="l" t="t" r="r" b="b"/>
-            <a:pathLst>
-              <a:path w="120000" h="120000" extrusionOk="0">
-                <a:moveTo>
-                  <a:pt x="0" y="0"/>
-                </a:moveTo>
-                <a:lnTo>
-                  <a:pt x="120000" y="0"/>
-                </a:lnTo>
-                <a:lnTo>
-                  <a:pt x="120000" y="120000"/>
-                </a:lnTo>
-                <a:lnTo>
-                  <a:pt x="0" y="120000"/>
-                </a:lnTo>
-                <a:close/>
-              </a:path>
-            </a:pathLst>
-          </a:custGeom>
-        </p:spPr>
-      </p:sp>
-    </p:spTree>
-    <p:extLst>
-      <p:ext uri="{BB962C8B-B14F-4D97-AF65-F5344CB8AC3E}">
-        <p14:creationId xmlns:p14="http://schemas.microsoft.com/office/powerpoint/2010/main" val="2810382954"/>
+        <p14:creationId xmlns:p14="http://schemas.microsoft.com/office/powerpoint/2010/main" val="3905365611"/>
       </p:ext>
     </p:extLst>
   </p:cSld>
@@ -1869,7 +1542,7 @@
           <a:p>
             <a:fld id="{25DA3F62-597B-4316-AE0D-AA6CED6D5D0E}" type="datetimeFigureOut">
               <a:rPr lang="en-US" smtClean="0"/>
-              <a:t>5/6/2021</a:t>
+              <a:t>5/8/2021</a:t>
             </a:fld>
             <a:endParaRPr lang="en-US"/>
           </a:p>
@@ -2037,7 +1710,7 @@
           <a:p>
             <a:fld id="{25DA3F62-597B-4316-AE0D-AA6CED6D5D0E}" type="datetimeFigureOut">
               <a:rPr lang="en-US" smtClean="0"/>
-              <a:t>5/6/2021</a:t>
+              <a:t>5/8/2021</a:t>
             </a:fld>
             <a:endParaRPr lang="en-US"/>
           </a:p>
@@ -2215,7 +1888,7 @@
           <a:p>
             <a:fld id="{25DA3F62-597B-4316-AE0D-AA6CED6D5D0E}" type="datetimeFigureOut">
               <a:rPr lang="en-US" smtClean="0"/>
-              <a:t>5/6/2021</a:t>
+              <a:t>5/8/2021</a:t>
             </a:fld>
             <a:endParaRPr lang="en-US"/>
           </a:p>
@@ -2383,7 +2056,7 @@
           <a:p>
             <a:fld id="{25DA3F62-597B-4316-AE0D-AA6CED6D5D0E}" type="datetimeFigureOut">
               <a:rPr lang="en-US" smtClean="0"/>
-              <a:t>5/6/2021</a:t>
+              <a:t>5/8/2021</a:t>
             </a:fld>
             <a:endParaRPr lang="en-US"/>
           </a:p>
@@ -2628,7 +2301,7 @@
           <a:p>
             <a:fld id="{25DA3F62-597B-4316-AE0D-AA6CED6D5D0E}" type="datetimeFigureOut">
               <a:rPr lang="en-US" smtClean="0"/>
-              <a:t>5/6/2021</a:t>
+              <a:t>5/8/2021</a:t>
             </a:fld>
             <a:endParaRPr lang="en-US"/>
           </a:p>
@@ -2913,7 +2586,7 @@
           <a:p>
             <a:fld id="{25DA3F62-597B-4316-AE0D-AA6CED6D5D0E}" type="datetimeFigureOut">
               <a:rPr lang="en-US" smtClean="0"/>
-              <a:t>5/6/2021</a:t>
+              <a:t>5/8/2021</a:t>
             </a:fld>
             <a:endParaRPr lang="en-US"/>
           </a:p>
@@ -3332,7 +3005,7 @@
           <a:p>
             <a:fld id="{25DA3F62-597B-4316-AE0D-AA6CED6D5D0E}" type="datetimeFigureOut">
               <a:rPr lang="en-US" smtClean="0"/>
-              <a:t>5/6/2021</a:t>
+              <a:t>5/8/2021</a:t>
             </a:fld>
             <a:endParaRPr lang="en-US"/>
           </a:p>
@@ -3449,7 +3122,7 @@
           <a:p>
             <a:fld id="{25DA3F62-597B-4316-AE0D-AA6CED6D5D0E}" type="datetimeFigureOut">
               <a:rPr lang="en-US" smtClean="0"/>
-              <a:t>5/6/2021</a:t>
+              <a:t>5/8/2021</a:t>
             </a:fld>
             <a:endParaRPr lang="en-US"/>
           </a:p>
@@ -3544,7 +3217,7 @@
           <a:p>
             <a:fld id="{25DA3F62-597B-4316-AE0D-AA6CED6D5D0E}" type="datetimeFigureOut">
               <a:rPr lang="en-US" smtClean="0"/>
-              <a:t>5/6/2021</a:t>
+              <a:t>5/8/2021</a:t>
             </a:fld>
             <a:endParaRPr lang="en-US"/>
           </a:p>
@@ -3819,7 +3492,7 @@
           <a:p>
             <a:fld id="{25DA3F62-597B-4316-AE0D-AA6CED6D5D0E}" type="datetimeFigureOut">
               <a:rPr lang="en-US" smtClean="0"/>
-              <a:t>5/6/2021</a:t>
+              <a:t>5/8/2021</a:t>
             </a:fld>
             <a:endParaRPr lang="en-US"/>
           </a:p>
@@ -4071,7 +3744,7 @@
           <a:p>
             <a:fld id="{25DA3F62-597B-4316-AE0D-AA6CED6D5D0E}" type="datetimeFigureOut">
               <a:rPr lang="en-US" smtClean="0"/>
-              <a:t>5/6/2021</a:t>
+              <a:t>5/8/2021</a:t>
             </a:fld>
             <a:endParaRPr lang="en-US"/>
           </a:p>
@@ -4288,7 +3961,7 @@
           <a:p>
             <a:fld id="{25DA3F62-597B-4316-AE0D-AA6CED6D5D0E}" type="datetimeFigureOut">
               <a:rPr lang="en-US" smtClean="0"/>
-              <a:t>5/6/2021</a:t>
+              <a:t>5/8/2021</a:t>
             </a:fld>
             <a:endParaRPr lang="en-US"/>
           </a:p>
@@ -4651,7 +4324,7 @@
   <p:cSld>
     <p:spTree>
       <p:nvGrpSpPr>
-        <p:cNvPr id="1" name="Shape 83"/>
+        <p:cNvPr id="1" name=""/>
         <p:cNvGrpSpPr/>
         <p:nvPr/>
       </p:nvGrpSpPr>
@@ -4665,108 +4338,62 @@
       </p:grpSpPr>
       <p:sp>
         <p:nvSpPr>
-          <p:cNvPr id="84" name="Google Shape;84;p1"/>
-          <p:cNvSpPr txBox="1">
+          <p:cNvPr id="2" name="Title 1">
+            <a:extLst>
+              <a:ext uri="{FF2B5EF4-FFF2-40B4-BE49-F238E27FC236}">
+                <a16:creationId xmlns:a16="http://schemas.microsoft.com/office/drawing/2014/main" id="{816C8669-824C-400C-B599-3EB31BBE04C1}"/>
+              </a:ext>
+            </a:extLst>
+          </p:cNvPr>
+          <p:cNvSpPr>
             <a:spLocks noGrp="1"/>
           </p:cNvSpPr>
           <p:nvPr>
             <p:ph type="ctrTitle"/>
           </p:nvPr>
         </p:nvSpPr>
-        <p:spPr>
-          <a:xfrm>
-            <a:off x="685800" y="2130425"/>
-            <a:ext cx="7772400" cy="1470025"/>
-          </a:xfrm>
-          <a:prstGeom prst="rect">
-            <a:avLst/>
-          </a:prstGeom>
-          <a:noFill/>
-          <a:ln>
-            <a:noFill/>
-          </a:ln>
-        </p:spPr>
-        <p:txBody>
-          <a:bodyPr spcFirstLastPara="1" wrap="square" lIns="91425" tIns="45700" rIns="91425" bIns="45700" anchor="ctr" anchorCtr="0">
-            <a:normAutofit/>
-          </a:bodyPr>
-          <a:lstStyle/>
-          <a:p>
-            <a:pPr marL="0" lvl="0" indent="0" algn="ctr" rtl="0">
-              <a:spcBef>
-                <a:spcPts val="0"/>
-              </a:spcBef>
-              <a:spcAft>
-                <a:spcPts val="0"/>
-              </a:spcAft>
-              <a:buClr>
-                <a:schemeClr val="dk1"/>
-              </a:buClr>
-              <a:buSzPts val="4400"/>
-              <a:buFont typeface="Calibri"/>
-              <a:buNone/>
-            </a:pPr>
-            <a:r>
-              <a:rPr lang="en-US" dirty="0"/>
-              <a:t>What color are the following words?</a:t>
-            </a:r>
-            <a:endParaRPr dirty="0"/>
-          </a:p>
-        </p:txBody>
-      </p:sp>
-      <p:sp>
-        <p:nvSpPr>
-          <p:cNvPr id="85" name="Google Shape;85;p1"/>
-          <p:cNvSpPr txBox="1">
+        <p:spPr/>
+        <p:txBody>
+          <a:bodyPr/>
+          <a:lstStyle/>
+          <a:p>
+            <a:r>
+              <a:rPr lang="he-IL" dirty="0"/>
+              <a:t>הַסְפָרים</a:t>
+            </a:r>
+            <a:endParaRPr lang="en-US" dirty="0"/>
+          </a:p>
+        </p:txBody>
+      </p:sp>
+      <p:sp>
+        <p:nvSpPr>
+          <p:cNvPr id="3" name="Subtitle 2">
+            <a:extLst>
+              <a:ext uri="{FF2B5EF4-FFF2-40B4-BE49-F238E27FC236}">
+                <a16:creationId xmlns:a16="http://schemas.microsoft.com/office/drawing/2014/main" id="{CD1A76DA-66B0-4D8D-BAF3-0BC8004D1579}"/>
+              </a:ext>
+            </a:extLst>
+          </p:cNvPr>
+          <p:cNvSpPr>
             <a:spLocks noGrp="1"/>
           </p:cNvSpPr>
           <p:nvPr>
             <p:ph type="subTitle" idx="1"/>
           </p:nvPr>
         </p:nvSpPr>
-        <p:spPr>
-          <a:xfrm>
-            <a:off x="1371600" y="3886200"/>
-            <a:ext cx="6400800" cy="1752600"/>
-          </a:xfrm>
-          <a:prstGeom prst="rect">
-            <a:avLst/>
-          </a:prstGeom>
-          <a:noFill/>
-          <a:ln>
-            <a:noFill/>
-          </a:ln>
-        </p:spPr>
-        <p:txBody>
-          <a:bodyPr spcFirstLastPara="1" wrap="square" lIns="91425" tIns="45700" rIns="91425" bIns="45700" anchor="t" anchorCtr="0">
-            <a:normAutofit/>
-          </a:bodyPr>
-          <a:lstStyle/>
-          <a:p>
-            <a:pPr marL="0" lvl="0" indent="0">
-              <a:spcBef>
-                <a:spcPts val="0"/>
-              </a:spcBef>
-            </a:pPr>
-            <a:r>
-              <a:rPr lang="en-US" dirty="0"/>
-              <a:t>Please read the following words in Hebrew out loud and say the color out loud too</a:t>
-            </a:r>
-          </a:p>
-          <a:p>
-            <a:pPr marL="0" lvl="0" indent="0">
-              <a:spcBef>
-                <a:spcPts val="0"/>
-              </a:spcBef>
-            </a:pPr>
-            <a:endParaRPr lang="en-US" dirty="0" err="1"/>
+        <p:spPr/>
+        <p:txBody>
+          <a:bodyPr/>
+          <a:lstStyle/>
+          <a:p>
+            <a:endParaRPr lang="en-US" dirty="0"/>
           </a:p>
         </p:txBody>
       </p:sp>
     </p:spTree>
     <p:extLst>
       <p:ext uri="{BB962C8B-B14F-4D97-AF65-F5344CB8AC3E}">
-        <p14:creationId xmlns:p14="http://schemas.microsoft.com/office/powerpoint/2010/main" val="1836552595"/>
+        <p14:creationId xmlns:p14="http://schemas.microsoft.com/office/powerpoint/2010/main" val="104430733"/>
       </p:ext>
     </p:extLst>
   </p:cSld>
@@ -4781,7 +4408,7 @@
   <p:cSld>
     <p:spTree>
       <p:nvGrpSpPr>
-        <p:cNvPr id="1" name=""/>
+        <p:cNvPr id="1" name="Shape 173"/>
         <p:cNvGrpSpPr/>
         <p:nvPr/>
       </p:nvGrpSpPr>
@@ -4793,137 +4420,14 @@
           <a:chExt cx="0" cy="0"/>
         </a:xfrm>
       </p:grpSpPr>
-      <p:sp>
-        <p:nvSpPr>
-          <p:cNvPr id="2" name="Rectangle 1"/>
-          <p:cNvSpPr>
-            <a:spLocks noChangeArrowheads="1"/>
-          </p:cNvSpPr>
-          <p:nvPr/>
-        </p:nvSpPr>
-        <p:spPr bwMode="auto">
-          <a:xfrm>
-            <a:off x="0" y="0"/>
-            <a:ext cx="9144000" cy="457200"/>
-          </a:xfrm>
-          <a:prstGeom prst="rect">
-            <a:avLst/>
-          </a:prstGeom>
-          <a:noFill/>
-          <a:ln>
-            <a:noFill/>
-          </a:ln>
-          <a:effectLst/>
-          <a:extLst>
-            <a:ext uri="{909E8E84-426E-40DD-AFC4-6F175D3DCCD1}">
-              <a14:hiddenFill xmlns:a14="http://schemas.microsoft.com/office/drawing/2010/main">
-                <a:solidFill>
-                  <a:schemeClr val="accent1"/>
-                </a:solidFill>
-              </a14:hiddenFill>
-            </a:ext>
-            <a:ext uri="{91240B29-F687-4F45-9708-019B960494DF}">
-              <a14:hiddenLine xmlns:a14="http://schemas.microsoft.com/office/drawing/2010/main" w="9525">
-                <a:solidFill>
-                  <a:schemeClr val="tx1"/>
-                </a:solidFill>
-                <a:miter lim="800000"/>
-                <a:headEnd/>
-                <a:tailEnd/>
-              </a14:hiddenLine>
-            </a:ext>
-            <a:ext uri="{AF507438-7753-43E0-B8FC-AC1667EBCBE1}">
-              <a14:hiddenEffects xmlns:a14="http://schemas.microsoft.com/office/drawing/2010/main">
-                <a:effectLst>
-                  <a:outerShdw dist="35921" dir="2700000" algn="ctr" rotWithShape="0">
-                    <a:schemeClr val="bg2"/>
-                  </a:outerShdw>
-                </a:effectLst>
-              </a14:hiddenEffects>
-            </a:ext>
-          </a:extLst>
-        </p:spPr>
-        <p:txBody>
-          <a:bodyPr vert="horz" wrap="none" lIns="91440" tIns="45720" rIns="91440" bIns="45720" numCol="1" anchor="ctr" anchorCtr="0" compatLnSpc="1">
-            <a:prstTxWarp prst="textNoShape">
-              <a:avLst/>
-            </a:prstTxWarp>
-            <a:spAutoFit/>
-          </a:bodyPr>
-          <a:lstStyle/>
-          <a:p>
-            <a:pPr marL="0" marR="0" lvl="0" indent="0" algn="r" defTabSz="914400" rtl="0" eaLnBrk="1" fontAlgn="base" latinLnBrk="0" hangingPunct="1">
-              <a:lnSpc>
-                <a:spcPct val="100000"/>
-              </a:lnSpc>
-              <a:spcBef>
-                <a:spcPct val="0"/>
-              </a:spcBef>
-              <a:spcAft>
-                <a:spcPct val="0"/>
-              </a:spcAft>
-              <a:buClrTx/>
-              <a:buSzTx/>
-              <a:buFontTx/>
-              <a:buNone/>
-              <a:tabLst/>
-            </a:pPr>
-            <a:r>
-              <a:rPr kumimoji="0" lang="he-IL" altLang="en-US" sz="1000" b="0" i="0" u="none" strike="noStrike" cap="none" normalizeH="0" baseline="0">
-                <a:ln>
-                  <a:noFill/>
-                </a:ln>
-                <a:solidFill>
-                  <a:schemeClr val="tx1"/>
-                </a:solidFill>
-                <a:effectLst/>
-                <a:latin typeface="Arial Unicode MS"/>
-                <a:cs typeface="Arial" charset="0"/>
-              </a:rPr>
-              <a:t>חתול</a:t>
-            </a:r>
-            <a:r>
-              <a:rPr kumimoji="0" lang="en-US" altLang="en-US" sz="600" b="0" i="0" u="none" strike="noStrike" cap="none" normalizeH="0" baseline="0">
-                <a:ln>
-                  <a:noFill/>
-                </a:ln>
-                <a:solidFill>
-                  <a:schemeClr val="tx1"/>
-                </a:solidFill>
-                <a:effectLst/>
-                <a:latin typeface="Arial" charset="0"/>
-                <a:cs typeface="Arial" charset="0"/>
-              </a:rPr>
-              <a:t> </a:t>
-            </a:r>
-            <a:endParaRPr kumimoji="0" lang="en-US" altLang="en-US" sz="1800" b="0" i="0" u="none" strike="noStrike" cap="none" normalizeH="0" baseline="0">
-              <a:ln>
-                <a:noFill/>
-              </a:ln>
-              <a:solidFill>
-                <a:schemeClr val="tx1"/>
-              </a:solidFill>
-              <a:effectLst/>
-              <a:latin typeface="Arial" charset="0"/>
-              <a:cs typeface="Arial" charset="0"/>
-            </a:endParaRPr>
-          </a:p>
-        </p:txBody>
-      </p:sp>
       <p:pic>
         <p:nvPicPr>
-          <p:cNvPr id="4" name="Google Shape;113;p6" descr="C:\Users\spanport\Desktop\Spanish.psycophy\images\azul.png">
-            <a:extLst>
-              <a:ext uri="{FF2B5EF4-FFF2-40B4-BE49-F238E27FC236}">
-                <a16:creationId xmlns:a16="http://schemas.microsoft.com/office/drawing/2014/main" id="{C66B71AD-02D1-486F-95B1-9F0A1D5DE02E}"/>
-              </a:ext>
-            </a:extLst>
-          </p:cNvPr>
+          <p:cNvPr id="174" name="Google Shape;174;p17" descr="C:\Users\spanport\Desktop\Spanish.psycophy\images\white.png"/>
           <p:cNvPicPr preferRelativeResize="0"/>
           <p:nvPr/>
         </p:nvPicPr>
         <p:blipFill rotWithShape="1">
-          <a:blip r:embed="rId2">
+          <a:blip r:embed="rId3">
             <a:alphaModFix/>
           </a:blip>
           <a:srcRect/>
@@ -4931,8 +4435,8 @@
         </p:blipFill>
         <p:spPr>
           <a:xfrm>
-            <a:off x="3347864" y="2420888"/>
-            <a:ext cx="2088232" cy="2160240"/>
+            <a:off x="3714675" y="2571675"/>
+            <a:ext cx="1714649" cy="1714649"/>
           </a:xfrm>
           <a:prstGeom prst="rect">
             <a:avLst/>
@@ -4946,7 +4450,7 @@
     </p:spTree>
     <p:extLst>
       <p:ext uri="{BB962C8B-B14F-4D97-AF65-F5344CB8AC3E}">
-        <p14:creationId xmlns:p14="http://schemas.microsoft.com/office/powerpoint/2010/main" val="2787178812"/>
+        <p14:creationId xmlns:p14="http://schemas.microsoft.com/office/powerpoint/2010/main" val="2446164832"/>
       </p:ext>
     </p:extLst>
   </p:cSld>
@@ -4978,7 +4482,7 @@
           <p:cNvPr id="2" name="Title 1">
             <a:extLst>
               <a:ext uri="{FF2B5EF4-FFF2-40B4-BE49-F238E27FC236}">
-                <a16:creationId xmlns:a16="http://schemas.microsoft.com/office/drawing/2014/main" id="{EB21AE14-DDFF-4BC6-8818-54EC3BACF782}"/>
+                <a16:creationId xmlns:a16="http://schemas.microsoft.com/office/drawing/2014/main" id="{59F1B730-32D5-4B66-A259-52F6C585DBB7}"/>
               </a:ext>
             </a:extLst>
           </p:cNvPr>
@@ -4996,7 +4500,7 @@
           <a:p>
             <a:r>
               <a:rPr lang="he-IL" dirty="0"/>
-              <a:t>תַלְמִיד</a:t>
+              <a:t> הַמִיטוֹת</a:t>
             </a:r>
             <a:endParaRPr lang="en-US" dirty="0"/>
           </a:p>
@@ -5007,7 +4511,7 @@
           <p:cNvPr id="3" name="Subtitle 2">
             <a:extLst>
               <a:ext uri="{FF2B5EF4-FFF2-40B4-BE49-F238E27FC236}">
-                <a16:creationId xmlns:a16="http://schemas.microsoft.com/office/drawing/2014/main" id="{F9D02BE4-5494-47E7-95EA-782791A05509}"/>
+                <a16:creationId xmlns:a16="http://schemas.microsoft.com/office/drawing/2014/main" id="{90B34F64-5D39-4C81-B533-B582ED89A0F8}"/>
               </a:ext>
             </a:extLst>
           </p:cNvPr>
@@ -5030,7 +4534,7 @@
     </p:spTree>
     <p:extLst>
       <p:ext uri="{BB962C8B-B14F-4D97-AF65-F5344CB8AC3E}">
-        <p14:creationId xmlns:p14="http://schemas.microsoft.com/office/powerpoint/2010/main" val="4081676020"/>
+        <p14:creationId xmlns:p14="http://schemas.microsoft.com/office/powerpoint/2010/main" val="2110106854"/>
       </p:ext>
     </p:extLst>
   </p:cSld>
@@ -5059,10 +4563,10 @@
       </p:grpSpPr>
       <p:pic>
         <p:nvPicPr>
-          <p:cNvPr id="3" name="Google Shape;124;p8" descr="C:\Users\spanport\Desktop\Spanish.psycophy\images\verde.png">
+          <p:cNvPr id="2" name="Google Shape;163;p15" descr="C:\Users\spanport\Desktop\Spanish.psycophy\images\red.png">
             <a:extLst>
               <a:ext uri="{FF2B5EF4-FFF2-40B4-BE49-F238E27FC236}">
-                <a16:creationId xmlns:a16="http://schemas.microsoft.com/office/drawing/2014/main" id="{3B139F3A-A97B-4FF5-9965-BD4C06F3629C}"/>
+                <a16:creationId xmlns:a16="http://schemas.microsoft.com/office/drawing/2014/main" id="{B8894571-22AA-469A-B5ED-E8546FBB62C2}"/>
               </a:ext>
             </a:extLst>
           </p:cNvPr>
@@ -5078,8 +4582,8 @@
         </p:blipFill>
         <p:spPr>
           <a:xfrm>
-            <a:off x="3059832" y="1700808"/>
-            <a:ext cx="2376264" cy="2592288"/>
+            <a:off x="3714675" y="2571675"/>
+            <a:ext cx="1714649" cy="1714649"/>
           </a:xfrm>
           <a:prstGeom prst="rect">
             <a:avLst/>
@@ -5093,7 +4597,7 @@
     </p:spTree>
     <p:extLst>
       <p:ext uri="{BB962C8B-B14F-4D97-AF65-F5344CB8AC3E}">
-        <p14:creationId xmlns:p14="http://schemas.microsoft.com/office/powerpoint/2010/main" val="3821689182"/>
+        <p14:creationId xmlns:p14="http://schemas.microsoft.com/office/powerpoint/2010/main" val="952252987"/>
       </p:ext>
     </p:extLst>
   </p:cSld>
@@ -5125,7 +4629,7 @@
           <p:cNvPr id="2" name="Title 1">
             <a:extLst>
               <a:ext uri="{FF2B5EF4-FFF2-40B4-BE49-F238E27FC236}">
-                <a16:creationId xmlns:a16="http://schemas.microsoft.com/office/drawing/2014/main" id="{8B9AD136-7767-4D6F-A59B-A23B3B6E7D09}"/>
+                <a16:creationId xmlns:a16="http://schemas.microsoft.com/office/drawing/2014/main" id="{B1F36B92-39AD-4131-8AC9-EAE4F870E768}"/>
               </a:ext>
             </a:extLst>
           </p:cNvPr>
@@ -5143,7 +4647,7 @@
           <a:p>
             <a:r>
               <a:rPr lang="he-IL" dirty="0"/>
-              <a:t>תַלְמִידָה</a:t>
+              <a:t> הַתְעוֹדוֹת</a:t>
             </a:r>
             <a:endParaRPr lang="en-US" dirty="0"/>
           </a:p>
@@ -5154,7 +4658,7 @@
           <p:cNvPr id="3" name="Subtitle 2">
             <a:extLst>
               <a:ext uri="{FF2B5EF4-FFF2-40B4-BE49-F238E27FC236}">
-                <a16:creationId xmlns:a16="http://schemas.microsoft.com/office/drawing/2014/main" id="{91FAB8E7-417B-4A04-934B-C46122A88EFE}"/>
+                <a16:creationId xmlns:a16="http://schemas.microsoft.com/office/drawing/2014/main" id="{EB3625AB-21D9-48BD-BC97-7D746FAFB9FE}"/>
               </a:ext>
             </a:extLst>
           </p:cNvPr>
@@ -5177,7 +4681,7 @@
     </p:spTree>
     <p:extLst>
       <p:ext uri="{BB962C8B-B14F-4D97-AF65-F5344CB8AC3E}">
-        <p14:creationId xmlns:p14="http://schemas.microsoft.com/office/powerpoint/2010/main" val="1953300636"/>
+        <p14:creationId xmlns:p14="http://schemas.microsoft.com/office/powerpoint/2010/main" val="3195606530"/>
       </p:ext>
     </p:extLst>
   </p:cSld>
@@ -5206,13 +4710,7 @@
       </p:grpSpPr>
       <p:pic>
         <p:nvPicPr>
-          <p:cNvPr id="2" name="Google Shape;124;p8" descr="C:\Users\spanport\Desktop\Spanish.psycophy\images\verde.png">
-            <a:extLst>
-              <a:ext uri="{FF2B5EF4-FFF2-40B4-BE49-F238E27FC236}">
-                <a16:creationId xmlns:a16="http://schemas.microsoft.com/office/drawing/2014/main" id="{E7EEB9C6-3AEC-4B3E-B24F-C7EAF8BC66C2}"/>
-              </a:ext>
-            </a:extLst>
-          </p:cNvPr>
+          <p:cNvPr id="2" name="Google Shape;185;p19" descr="C:\Users\spanport\Desktop\Spanish.psycophy\images\yellow.png"/>
           <p:cNvPicPr preferRelativeResize="0"/>
           <p:nvPr/>
         </p:nvPicPr>
@@ -5225,8 +4723,8 @@
         </p:blipFill>
         <p:spPr>
           <a:xfrm>
-            <a:off x="3059832" y="1700808"/>
-            <a:ext cx="2664296" cy="2808312"/>
+            <a:off x="3714675" y="2571675"/>
+            <a:ext cx="1714649" cy="1714649"/>
           </a:xfrm>
           <a:prstGeom prst="rect">
             <a:avLst/>
@@ -5240,7 +4738,7 @@
     </p:spTree>
     <p:extLst>
       <p:ext uri="{BB962C8B-B14F-4D97-AF65-F5344CB8AC3E}">
-        <p14:creationId xmlns:p14="http://schemas.microsoft.com/office/powerpoint/2010/main" val="2192783306"/>
+        <p14:creationId xmlns:p14="http://schemas.microsoft.com/office/powerpoint/2010/main" val="4105087375"/>
       </p:ext>
     </p:extLst>
   </p:cSld>
@@ -5269,34 +4767,10 @@
       </p:grpSpPr>
       <p:sp>
         <p:nvSpPr>
-          <p:cNvPr id="2" name="Title 1"/>
-          <p:cNvSpPr>
-            <a:spLocks noGrp="1"/>
-          </p:cNvSpPr>
-          <p:nvPr>
-            <p:ph type="ctrTitle"/>
-          </p:nvPr>
-        </p:nvSpPr>
-        <p:spPr/>
-        <p:txBody>
-          <a:bodyPr>
-            <a:normAutofit/>
-          </a:bodyPr>
-          <a:lstStyle/>
-          <a:p>
-            <a:r>
-              <a:rPr lang="en-US" dirty="0"/>
-              <a:t>Are you ready? If you do, please continue </a:t>
-            </a:r>
-          </a:p>
-        </p:txBody>
-      </p:sp>
-      <p:sp>
-        <p:nvSpPr>
-          <p:cNvPr id="5" name="Subtitle 4">
+          <p:cNvPr id="2" name="Title 1">
             <a:extLst>
               <a:ext uri="{FF2B5EF4-FFF2-40B4-BE49-F238E27FC236}">
-                <a16:creationId xmlns:a16="http://schemas.microsoft.com/office/drawing/2014/main" id="{DBE6AA29-3049-4376-9EFC-745FD0F07F51}"/>
+                <a16:creationId xmlns:a16="http://schemas.microsoft.com/office/drawing/2014/main" id="{111D5360-2E2F-47BB-9676-9F4C49D752D3}"/>
               </a:ext>
             </a:extLst>
           </p:cNvPr>
@@ -5304,6 +4778,38 @@
             <a:spLocks noGrp="1"/>
           </p:cNvSpPr>
           <p:nvPr>
+            <p:ph type="ctrTitle"/>
+          </p:nvPr>
+        </p:nvSpPr>
+        <p:spPr/>
+        <p:txBody>
+          <a:bodyPr/>
+          <a:lstStyle/>
+          <a:p>
+            <a:r>
+              <a:rPr lang="he-IL" dirty="0"/>
+              <a:t>הַסְרָטים</a:t>
+            </a:r>
+            <a:r>
+              <a:rPr lang="en-US" dirty="0"/>
+              <a:t>  </a:t>
+            </a:r>
+          </a:p>
+        </p:txBody>
+      </p:sp>
+      <p:sp>
+        <p:nvSpPr>
+          <p:cNvPr id="3" name="Subtitle 2">
+            <a:extLst>
+              <a:ext uri="{FF2B5EF4-FFF2-40B4-BE49-F238E27FC236}">
+                <a16:creationId xmlns:a16="http://schemas.microsoft.com/office/drawing/2014/main" id="{5853AB64-AECF-41DE-B32E-17D6D896B061}"/>
+              </a:ext>
+            </a:extLst>
+          </p:cNvPr>
+          <p:cNvSpPr>
+            <a:spLocks noGrp="1"/>
+          </p:cNvSpPr>
+          <p:nvPr>
             <p:ph type="subTitle" idx="1"/>
           </p:nvPr>
         </p:nvSpPr>
@@ -5312,14 +4818,14 @@
           <a:bodyPr/>
           <a:lstStyle/>
           <a:p>
-            <a:endParaRPr lang="en-US" dirty="0"/>
+            <a:endParaRPr lang="en-US"/>
           </a:p>
         </p:txBody>
       </p:sp>
     </p:spTree>
     <p:extLst>
       <p:ext uri="{BB962C8B-B14F-4D97-AF65-F5344CB8AC3E}">
-        <p14:creationId xmlns:p14="http://schemas.microsoft.com/office/powerpoint/2010/main" val="4270057707"/>
+        <p14:creationId xmlns:p14="http://schemas.microsoft.com/office/powerpoint/2010/main" val="431706458"/>
       </p:ext>
     </p:extLst>
   </p:cSld>
@@ -5330,6 +4836,58 @@
 </file>
 
 <file path=ppt/slides/slide16.xml><?xml version="1.0" encoding="utf-8"?>
+<p:sld xmlns:a="http://schemas.openxmlformats.org/drawingml/2006/main" xmlns:r="http://schemas.openxmlformats.org/officeDocument/2006/relationships" xmlns:p="http://schemas.openxmlformats.org/presentationml/2006/main">
+  <p:cSld>
+    <p:spTree>
+      <p:nvGrpSpPr>
+        <p:cNvPr id="1" name="Shape 151"/>
+        <p:cNvGrpSpPr/>
+        <p:nvPr/>
+      </p:nvGrpSpPr>
+      <p:grpSpPr>
+        <a:xfrm>
+          <a:off x="0" y="0"/>
+          <a:ext cx="0" cy="0"/>
+          <a:chOff x="0" y="0"/>
+          <a:chExt cx="0" cy="0"/>
+        </a:xfrm>
+      </p:grpSpPr>
+      <p:pic>
+        <p:nvPicPr>
+          <p:cNvPr id="152" name="Google Shape;152;p13" descr="C:\Users\spanport\Desktop\Spanish.psycophy\images\black.png"/>
+          <p:cNvPicPr preferRelativeResize="0"/>
+          <p:nvPr/>
+        </p:nvPicPr>
+        <p:blipFill rotWithShape="1">
+          <a:blip r:embed="rId3">
+            <a:alphaModFix/>
+          </a:blip>
+          <a:srcRect/>
+          <a:stretch/>
+        </p:blipFill>
+        <p:spPr>
+          <a:xfrm>
+            <a:off x="3714675" y="2571675"/>
+            <a:ext cx="1714649" cy="1714649"/>
+          </a:xfrm>
+          <a:prstGeom prst="rect">
+            <a:avLst/>
+          </a:prstGeom>
+          <a:noFill/>
+          <a:ln>
+            <a:noFill/>
+          </a:ln>
+        </p:spPr>
+      </p:pic>
+    </p:spTree>
+  </p:cSld>
+  <p:clrMapOvr>
+    <a:masterClrMapping/>
+  </p:clrMapOvr>
+</p:sld>
+</file>
+
+<file path=ppt/slides/slide17.xml><?xml version="1.0" encoding="utf-8"?>
 <p:sld xmlns:a="http://schemas.openxmlformats.org/drawingml/2006/main" xmlns:r="http://schemas.openxmlformats.org/officeDocument/2006/relationships" xmlns:p="http://schemas.openxmlformats.org/presentationml/2006/main">
   <p:cSld>
     <p:spTree>
@@ -5351,7 +4909,7 @@
           <p:cNvPr id="2" name="Title 1">
             <a:extLst>
               <a:ext uri="{FF2B5EF4-FFF2-40B4-BE49-F238E27FC236}">
-                <a16:creationId xmlns:a16="http://schemas.microsoft.com/office/drawing/2014/main" id="{816C8669-824C-400C-B599-3EB31BBE04C1}"/>
+                <a16:creationId xmlns:a16="http://schemas.microsoft.com/office/drawing/2014/main" id="{DAB6EB2E-1780-4D65-93DE-8776C244754C}"/>
               </a:ext>
             </a:extLst>
           </p:cNvPr>
@@ -5369,9 +4927,12 @@
           <a:p>
             <a:r>
               <a:rPr lang="he-IL" dirty="0"/>
-              <a:t>הַסְפָרים</a:t>
-            </a:r>
-            <a:endParaRPr lang="en-US" dirty="0"/>
+              <a:t>הַפְּסוּקִם </a:t>
+            </a:r>
+            <a:r>
+              <a:rPr lang="en-US" dirty="0"/>
+              <a:t> </a:t>
+            </a:r>
           </a:p>
         </p:txBody>
       </p:sp>
@@ -5380,7 +4941,7 @@
           <p:cNvPr id="3" name="Subtitle 2">
             <a:extLst>
               <a:ext uri="{FF2B5EF4-FFF2-40B4-BE49-F238E27FC236}">
-                <a16:creationId xmlns:a16="http://schemas.microsoft.com/office/drawing/2014/main" id="{CD1A76DA-66B0-4D8D-BAF3-0BC8004D1579}"/>
+                <a16:creationId xmlns:a16="http://schemas.microsoft.com/office/drawing/2014/main" id="{FE8FFB9D-1742-4C39-8610-6FA691B1D997}"/>
               </a:ext>
             </a:extLst>
           </p:cNvPr>
@@ -5396,14 +4957,14 @@
           <a:bodyPr/>
           <a:lstStyle/>
           <a:p>
-            <a:endParaRPr lang="en-US" dirty="0"/>
+            <a:endParaRPr lang="en-US"/>
           </a:p>
         </p:txBody>
       </p:sp>
     </p:spTree>
     <p:extLst>
       <p:ext uri="{BB962C8B-B14F-4D97-AF65-F5344CB8AC3E}">
-        <p14:creationId xmlns:p14="http://schemas.microsoft.com/office/powerpoint/2010/main" val="104430733"/>
+        <p14:creationId xmlns:p14="http://schemas.microsoft.com/office/powerpoint/2010/main" val="4230698273"/>
       </p:ext>
     </p:extLst>
   </p:cSld>
@@ -5413,7 +4974,146 @@
 </p:sld>
 </file>
 
-<file path=ppt/slides/slide17.xml><?xml version="1.0" encoding="utf-8"?>
+<file path=ppt/slides/slide18.xml><?xml version="1.0" encoding="utf-8"?>
+<p:sld xmlns:a="http://schemas.openxmlformats.org/drawingml/2006/main" xmlns:r="http://schemas.openxmlformats.org/officeDocument/2006/relationships" xmlns:p="http://schemas.openxmlformats.org/presentationml/2006/main">
+  <p:cSld>
+    <p:spTree>
+      <p:nvGrpSpPr>
+        <p:cNvPr id="1" name="Shape 151"/>
+        <p:cNvGrpSpPr/>
+        <p:nvPr/>
+      </p:nvGrpSpPr>
+      <p:grpSpPr>
+        <a:xfrm>
+          <a:off x="0" y="0"/>
+          <a:ext cx="0" cy="0"/>
+          <a:chOff x="0" y="0"/>
+          <a:chExt cx="0" cy="0"/>
+        </a:xfrm>
+      </p:grpSpPr>
+      <p:pic>
+        <p:nvPicPr>
+          <p:cNvPr id="152" name="Google Shape;152;p13" descr="C:\Users\spanport\Desktop\Spanish.psycophy\images\black.png"/>
+          <p:cNvPicPr preferRelativeResize="0"/>
+          <p:nvPr/>
+        </p:nvPicPr>
+        <p:blipFill rotWithShape="1">
+          <a:blip r:embed="rId3">
+            <a:alphaModFix/>
+          </a:blip>
+          <a:srcRect/>
+          <a:stretch/>
+        </p:blipFill>
+        <p:spPr>
+          <a:xfrm>
+            <a:off x="3714675" y="2571675"/>
+            <a:ext cx="1714649" cy="1714649"/>
+          </a:xfrm>
+          <a:prstGeom prst="rect">
+            <a:avLst/>
+          </a:prstGeom>
+          <a:noFill/>
+          <a:ln>
+            <a:noFill/>
+          </a:ln>
+        </p:spPr>
+      </p:pic>
+    </p:spTree>
+  </p:cSld>
+  <p:clrMapOvr>
+    <a:masterClrMapping/>
+  </p:clrMapOvr>
+</p:sld>
+</file>
+
+<file path=ppt/slides/slide19.xml><?xml version="1.0" encoding="utf-8"?>
+<p:sld xmlns:a="http://schemas.openxmlformats.org/drawingml/2006/main" xmlns:r="http://schemas.openxmlformats.org/officeDocument/2006/relationships" xmlns:p="http://schemas.openxmlformats.org/presentationml/2006/main">
+  <p:cSld>
+    <p:spTree>
+      <p:nvGrpSpPr>
+        <p:cNvPr id="1" name=""/>
+        <p:cNvGrpSpPr/>
+        <p:nvPr/>
+      </p:nvGrpSpPr>
+      <p:grpSpPr>
+        <a:xfrm>
+          <a:off x="0" y="0"/>
+          <a:ext cx="0" cy="0"/>
+          <a:chOff x="0" y="0"/>
+          <a:chExt cx="0" cy="0"/>
+        </a:xfrm>
+      </p:grpSpPr>
+      <p:sp>
+        <p:nvSpPr>
+          <p:cNvPr id="2" name="Title 1">
+            <a:extLst>
+              <a:ext uri="{FF2B5EF4-FFF2-40B4-BE49-F238E27FC236}">
+                <a16:creationId xmlns:a16="http://schemas.microsoft.com/office/drawing/2014/main" id="{8CD5EB09-A584-4CF1-8105-4EBB8564B1CA}"/>
+              </a:ext>
+            </a:extLst>
+          </p:cNvPr>
+          <p:cNvSpPr>
+            <a:spLocks noGrp="1"/>
+          </p:cNvSpPr>
+          <p:nvPr>
+            <p:ph type="ctrTitle"/>
+          </p:nvPr>
+        </p:nvSpPr>
+        <p:spPr/>
+        <p:txBody>
+          <a:bodyPr/>
+          <a:lstStyle/>
+          <a:p>
+            <a:r>
+              <a:rPr lang="he-IL" dirty="0"/>
+              <a:t>הַדְלָתוֹת</a:t>
+            </a:r>
+            <a:r>
+              <a:rPr lang="en-US" dirty="0"/>
+              <a:t>  </a:t>
+            </a:r>
+          </a:p>
+        </p:txBody>
+      </p:sp>
+      <p:sp>
+        <p:nvSpPr>
+          <p:cNvPr id="3" name="Subtitle 2">
+            <a:extLst>
+              <a:ext uri="{FF2B5EF4-FFF2-40B4-BE49-F238E27FC236}">
+                <a16:creationId xmlns:a16="http://schemas.microsoft.com/office/drawing/2014/main" id="{3E705596-B217-429C-890E-FF070A567F8B}"/>
+              </a:ext>
+            </a:extLst>
+          </p:cNvPr>
+          <p:cNvSpPr>
+            <a:spLocks noGrp="1"/>
+          </p:cNvSpPr>
+          <p:nvPr>
+            <p:ph type="subTitle" idx="1"/>
+          </p:nvPr>
+        </p:nvSpPr>
+        <p:spPr/>
+        <p:txBody>
+          <a:bodyPr/>
+          <a:lstStyle/>
+          <a:p>
+            <a:endParaRPr lang="en-US"/>
+          </a:p>
+        </p:txBody>
+      </p:sp>
+    </p:spTree>
+    <p:extLst>
+      <p:ext uri="{BB962C8B-B14F-4D97-AF65-F5344CB8AC3E}">
+        <p14:creationId xmlns:p14="http://schemas.microsoft.com/office/powerpoint/2010/main" val="202837397"/>
+      </p:ext>
+    </p:extLst>
+  </p:cSld>
+  <p:clrMapOvr>
+    <a:masterClrMapping/>
+  </p:clrMapOvr>
+</p:sld>
+</file>
+
+<file path=ppt/slides/slide2.xml><?xml version="1.0" encoding="utf-8"?>
 <p:sld xmlns:a="http://schemas.openxmlformats.org/drawingml/2006/main" xmlns:r="http://schemas.openxmlformats.org/officeDocument/2006/relationships" xmlns:p="http://schemas.openxmlformats.org/presentationml/2006/main">
   <p:cSld>
     <p:spTree>
@@ -5470,7 +5170,59 @@
 </p:sld>
 </file>
 
-<file path=ppt/slides/slide18.xml><?xml version="1.0" encoding="utf-8"?>
+<file path=ppt/slides/slide20.xml><?xml version="1.0" encoding="utf-8"?>
+<p:sld xmlns:a="http://schemas.openxmlformats.org/drawingml/2006/main" xmlns:r="http://schemas.openxmlformats.org/officeDocument/2006/relationships" xmlns:p="http://schemas.openxmlformats.org/presentationml/2006/main">
+  <p:cSld>
+    <p:spTree>
+      <p:nvGrpSpPr>
+        <p:cNvPr id="1" name="Shape 173"/>
+        <p:cNvGrpSpPr/>
+        <p:nvPr/>
+      </p:nvGrpSpPr>
+      <p:grpSpPr>
+        <a:xfrm>
+          <a:off x="0" y="0"/>
+          <a:ext cx="0" cy="0"/>
+          <a:chOff x="0" y="0"/>
+          <a:chExt cx="0" cy="0"/>
+        </a:xfrm>
+      </p:grpSpPr>
+      <p:pic>
+        <p:nvPicPr>
+          <p:cNvPr id="174" name="Google Shape;174;p17" descr="C:\Users\spanport\Desktop\Spanish.psycophy\images\white.png"/>
+          <p:cNvPicPr preferRelativeResize="0"/>
+          <p:nvPr/>
+        </p:nvPicPr>
+        <p:blipFill rotWithShape="1">
+          <a:blip r:embed="rId3">
+            <a:alphaModFix/>
+          </a:blip>
+          <a:srcRect/>
+          <a:stretch/>
+        </p:blipFill>
+        <p:spPr>
+          <a:xfrm>
+            <a:off x="3714675" y="2571675"/>
+            <a:ext cx="1714649" cy="1714649"/>
+          </a:xfrm>
+          <a:prstGeom prst="rect">
+            <a:avLst/>
+          </a:prstGeom>
+          <a:noFill/>
+          <a:ln>
+            <a:noFill/>
+          </a:ln>
+        </p:spPr>
+      </p:pic>
+    </p:spTree>
+  </p:cSld>
+  <p:clrMapOvr>
+    <a:masterClrMapping/>
+  </p:clrMapOvr>
+</p:sld>
+</file>
+
+<file path=ppt/slides/slide21.xml><?xml version="1.0" encoding="utf-8"?>
 <p:sld xmlns:a="http://schemas.openxmlformats.org/drawingml/2006/main" xmlns:r="http://schemas.openxmlformats.org/officeDocument/2006/relationships" xmlns:p="http://schemas.openxmlformats.org/presentationml/2006/main">
   <p:cSld>
     <p:spTree>
@@ -5492,6 +5244,660 @@
           <p:cNvPr id="2" name="Title 1">
             <a:extLst>
               <a:ext uri="{FF2B5EF4-FFF2-40B4-BE49-F238E27FC236}">
+                <a16:creationId xmlns:a16="http://schemas.microsoft.com/office/drawing/2014/main" id="{2C89DB45-8EF3-4BB2-A0EB-A5DA42D0772B}"/>
+              </a:ext>
+            </a:extLst>
+          </p:cNvPr>
+          <p:cNvSpPr>
+            <a:spLocks noGrp="1"/>
+          </p:cNvSpPr>
+          <p:nvPr>
+            <p:ph type="ctrTitle"/>
+          </p:nvPr>
+        </p:nvSpPr>
+        <p:spPr/>
+        <p:txBody>
+          <a:bodyPr/>
+          <a:lstStyle/>
+          <a:p>
+            <a:r>
+              <a:rPr lang="he-IL" dirty="0"/>
+              <a:t>הַשְטִיכִים </a:t>
+            </a:r>
+            <a:r>
+              <a:rPr lang="en-US" dirty="0"/>
+              <a:t>   </a:t>
+            </a:r>
+          </a:p>
+        </p:txBody>
+      </p:sp>
+      <p:sp>
+        <p:nvSpPr>
+          <p:cNvPr id="3" name="Subtitle 2">
+            <a:extLst>
+              <a:ext uri="{FF2B5EF4-FFF2-40B4-BE49-F238E27FC236}">
+                <a16:creationId xmlns:a16="http://schemas.microsoft.com/office/drawing/2014/main" id="{CA66BD53-FBED-4963-B990-69E368D7C9D5}"/>
+              </a:ext>
+            </a:extLst>
+          </p:cNvPr>
+          <p:cNvSpPr>
+            <a:spLocks noGrp="1"/>
+          </p:cNvSpPr>
+          <p:nvPr>
+            <p:ph type="subTitle" idx="1"/>
+          </p:nvPr>
+        </p:nvSpPr>
+        <p:spPr/>
+        <p:txBody>
+          <a:bodyPr/>
+          <a:lstStyle/>
+          <a:p>
+            <a:endParaRPr lang="en-US"/>
+          </a:p>
+        </p:txBody>
+      </p:sp>
+    </p:spTree>
+    <p:extLst>
+      <p:ext uri="{BB962C8B-B14F-4D97-AF65-F5344CB8AC3E}">
+        <p14:creationId xmlns:p14="http://schemas.microsoft.com/office/powerpoint/2010/main" val="1733831467"/>
+      </p:ext>
+    </p:extLst>
+  </p:cSld>
+  <p:clrMapOvr>
+    <a:masterClrMapping/>
+  </p:clrMapOvr>
+</p:sld>
+</file>
+
+<file path=ppt/slides/slide22.xml><?xml version="1.0" encoding="utf-8"?>
+<p:sld xmlns:a="http://schemas.openxmlformats.org/drawingml/2006/main" xmlns:r="http://schemas.openxmlformats.org/officeDocument/2006/relationships" xmlns:p="http://schemas.openxmlformats.org/presentationml/2006/main">
+  <p:cSld>
+    <p:spTree>
+      <p:nvGrpSpPr>
+        <p:cNvPr id="1" name="Shape 173"/>
+        <p:cNvGrpSpPr/>
+        <p:nvPr/>
+      </p:nvGrpSpPr>
+      <p:grpSpPr>
+        <a:xfrm>
+          <a:off x="0" y="0"/>
+          <a:ext cx="0" cy="0"/>
+          <a:chOff x="0" y="0"/>
+          <a:chExt cx="0" cy="0"/>
+        </a:xfrm>
+      </p:grpSpPr>
+      <p:pic>
+        <p:nvPicPr>
+          <p:cNvPr id="174" name="Google Shape;174;p17" descr="C:\Users\spanport\Desktop\Spanish.psycophy\images\white.png"/>
+          <p:cNvPicPr preferRelativeResize="0"/>
+          <p:nvPr/>
+        </p:nvPicPr>
+        <p:blipFill rotWithShape="1">
+          <a:blip r:embed="rId3">
+            <a:alphaModFix/>
+          </a:blip>
+          <a:srcRect/>
+          <a:stretch/>
+        </p:blipFill>
+        <p:spPr>
+          <a:xfrm>
+            <a:off x="3714675" y="2571675"/>
+            <a:ext cx="1714649" cy="1714649"/>
+          </a:xfrm>
+          <a:prstGeom prst="rect">
+            <a:avLst/>
+          </a:prstGeom>
+          <a:noFill/>
+          <a:ln>
+            <a:noFill/>
+          </a:ln>
+        </p:spPr>
+      </p:pic>
+    </p:spTree>
+    <p:extLst>
+      <p:ext uri="{BB962C8B-B14F-4D97-AF65-F5344CB8AC3E}">
+        <p14:creationId xmlns:p14="http://schemas.microsoft.com/office/powerpoint/2010/main" val="1845628876"/>
+      </p:ext>
+    </p:extLst>
+  </p:cSld>
+  <p:clrMapOvr>
+    <a:masterClrMapping/>
+  </p:clrMapOvr>
+</p:sld>
+</file>
+
+<file path=ppt/slides/slide23.xml><?xml version="1.0" encoding="utf-8"?>
+<p:sld xmlns:a="http://schemas.openxmlformats.org/drawingml/2006/main" xmlns:r="http://schemas.openxmlformats.org/officeDocument/2006/relationships" xmlns:p="http://schemas.openxmlformats.org/presentationml/2006/main">
+  <p:cSld>
+    <p:spTree>
+      <p:nvGrpSpPr>
+        <p:cNvPr id="1" name=""/>
+        <p:cNvGrpSpPr/>
+        <p:nvPr/>
+      </p:nvGrpSpPr>
+      <p:grpSpPr>
+        <a:xfrm>
+          <a:off x="0" y="0"/>
+          <a:ext cx="0" cy="0"/>
+          <a:chOff x="0" y="0"/>
+          <a:chExt cx="0" cy="0"/>
+        </a:xfrm>
+      </p:grpSpPr>
+      <p:sp>
+        <p:nvSpPr>
+          <p:cNvPr id="2" name="Title 1">
+            <a:extLst>
+              <a:ext uri="{FF2B5EF4-FFF2-40B4-BE49-F238E27FC236}">
+                <a16:creationId xmlns:a16="http://schemas.microsoft.com/office/drawing/2014/main" id="{C0F3ADD5-A7B2-4473-82E6-61FFF4239466}"/>
+              </a:ext>
+            </a:extLst>
+          </p:cNvPr>
+          <p:cNvSpPr>
+            <a:spLocks noGrp="1"/>
+          </p:cNvSpPr>
+          <p:nvPr>
+            <p:ph type="ctrTitle"/>
+          </p:nvPr>
+        </p:nvSpPr>
+        <p:spPr/>
+        <p:txBody>
+          <a:bodyPr/>
+          <a:lstStyle/>
+          <a:p>
+            <a:r>
+              <a:rPr lang="he-IL" dirty="0"/>
+              <a:t>הַַמַתָנוֹת </a:t>
+            </a:r>
+            <a:r>
+              <a:rPr lang="en-US" dirty="0"/>
+              <a:t>   </a:t>
+            </a:r>
+          </a:p>
+        </p:txBody>
+      </p:sp>
+      <p:sp>
+        <p:nvSpPr>
+          <p:cNvPr id="3" name="Subtitle 2">
+            <a:extLst>
+              <a:ext uri="{FF2B5EF4-FFF2-40B4-BE49-F238E27FC236}">
+                <a16:creationId xmlns:a16="http://schemas.microsoft.com/office/drawing/2014/main" id="{29584724-4E07-49DC-9646-02635F96B3EE}"/>
+              </a:ext>
+            </a:extLst>
+          </p:cNvPr>
+          <p:cNvSpPr>
+            <a:spLocks noGrp="1"/>
+          </p:cNvSpPr>
+          <p:nvPr>
+            <p:ph type="subTitle" idx="1"/>
+          </p:nvPr>
+        </p:nvSpPr>
+        <p:spPr/>
+        <p:txBody>
+          <a:bodyPr/>
+          <a:lstStyle/>
+          <a:p>
+            <a:endParaRPr lang="en-US"/>
+          </a:p>
+        </p:txBody>
+      </p:sp>
+    </p:spTree>
+    <p:extLst>
+      <p:ext uri="{BB962C8B-B14F-4D97-AF65-F5344CB8AC3E}">
+        <p14:creationId xmlns:p14="http://schemas.microsoft.com/office/powerpoint/2010/main" val="3136653531"/>
+      </p:ext>
+    </p:extLst>
+  </p:cSld>
+  <p:clrMapOvr>
+    <a:masterClrMapping/>
+  </p:clrMapOvr>
+</p:sld>
+</file>
+
+<file path=ppt/slides/slide24.xml><?xml version="1.0" encoding="utf-8"?>
+<p:sld xmlns:a="http://schemas.openxmlformats.org/drawingml/2006/main" xmlns:r="http://schemas.openxmlformats.org/officeDocument/2006/relationships" xmlns:p="http://schemas.openxmlformats.org/presentationml/2006/main">
+  <p:cSld>
+    <p:spTree>
+      <p:nvGrpSpPr>
+        <p:cNvPr id="1" name=""/>
+        <p:cNvGrpSpPr/>
+        <p:nvPr/>
+      </p:nvGrpSpPr>
+      <p:grpSpPr>
+        <a:xfrm>
+          <a:off x="0" y="0"/>
+          <a:ext cx="0" cy="0"/>
+          <a:chOff x="0" y="0"/>
+          <a:chExt cx="0" cy="0"/>
+        </a:xfrm>
+      </p:grpSpPr>
+      <p:pic>
+        <p:nvPicPr>
+          <p:cNvPr id="2" name="Google Shape;185;p19" descr="C:\Users\spanport\Desktop\Spanish.psycophy\images\yellow.png"/>
+          <p:cNvPicPr preferRelativeResize="0"/>
+          <p:nvPr/>
+        </p:nvPicPr>
+        <p:blipFill rotWithShape="1">
+          <a:blip r:embed="rId2">
+            <a:alphaModFix/>
+          </a:blip>
+          <a:srcRect/>
+          <a:stretch/>
+        </p:blipFill>
+        <p:spPr>
+          <a:xfrm>
+            <a:off x="3714675" y="2571675"/>
+            <a:ext cx="1714649" cy="1714649"/>
+          </a:xfrm>
+          <a:prstGeom prst="rect">
+            <a:avLst/>
+          </a:prstGeom>
+          <a:noFill/>
+          <a:ln>
+            <a:noFill/>
+          </a:ln>
+        </p:spPr>
+      </p:pic>
+    </p:spTree>
+    <p:extLst>
+      <p:ext uri="{BB962C8B-B14F-4D97-AF65-F5344CB8AC3E}">
+        <p14:creationId xmlns:p14="http://schemas.microsoft.com/office/powerpoint/2010/main" val="2047753769"/>
+      </p:ext>
+    </p:extLst>
+  </p:cSld>
+  <p:clrMapOvr>
+    <a:masterClrMapping/>
+  </p:clrMapOvr>
+</p:sld>
+</file>
+
+<file path=ppt/slides/slide25.xml><?xml version="1.0" encoding="utf-8"?>
+<p:sld xmlns:a="http://schemas.openxmlformats.org/drawingml/2006/main" xmlns:r="http://schemas.openxmlformats.org/officeDocument/2006/relationships" xmlns:p="http://schemas.openxmlformats.org/presentationml/2006/main">
+  <p:cSld>
+    <p:spTree>
+      <p:nvGrpSpPr>
+        <p:cNvPr id="1" name=""/>
+        <p:cNvGrpSpPr/>
+        <p:nvPr/>
+      </p:nvGrpSpPr>
+      <p:grpSpPr>
+        <a:xfrm>
+          <a:off x="0" y="0"/>
+          <a:ext cx="0" cy="0"/>
+          <a:chOff x="0" y="0"/>
+          <a:chExt cx="0" cy="0"/>
+        </a:xfrm>
+      </p:grpSpPr>
+      <p:sp>
+        <p:nvSpPr>
+          <p:cNvPr id="2" name="Title 1">
+            <a:extLst>
+              <a:ext uri="{FF2B5EF4-FFF2-40B4-BE49-F238E27FC236}">
+                <a16:creationId xmlns:a16="http://schemas.microsoft.com/office/drawing/2014/main" id="{0349BAD8-E2E9-4096-A6EF-8AB532C105D6}"/>
+              </a:ext>
+            </a:extLst>
+          </p:cNvPr>
+          <p:cNvSpPr>
+            <a:spLocks noGrp="1"/>
+          </p:cNvSpPr>
+          <p:nvPr>
+            <p:ph type="ctrTitle"/>
+          </p:nvPr>
+        </p:nvSpPr>
+        <p:spPr/>
+        <p:txBody>
+          <a:bodyPr/>
+          <a:lstStyle/>
+          <a:p>
+            <a:r>
+              <a:rPr lang="he-IL" dirty="0"/>
+              <a:t> הַַמֵאוֹת </a:t>
+            </a:r>
+            <a:endParaRPr lang="en-US" dirty="0"/>
+          </a:p>
+        </p:txBody>
+      </p:sp>
+      <p:sp>
+        <p:nvSpPr>
+          <p:cNvPr id="3" name="Subtitle 2">
+            <a:extLst>
+              <a:ext uri="{FF2B5EF4-FFF2-40B4-BE49-F238E27FC236}">
+                <a16:creationId xmlns:a16="http://schemas.microsoft.com/office/drawing/2014/main" id="{2DC71B3A-2261-4721-AE12-801EDA596E28}"/>
+              </a:ext>
+            </a:extLst>
+          </p:cNvPr>
+          <p:cNvSpPr>
+            <a:spLocks noGrp="1"/>
+          </p:cNvSpPr>
+          <p:nvPr>
+            <p:ph type="subTitle" idx="1"/>
+          </p:nvPr>
+        </p:nvSpPr>
+        <p:spPr/>
+        <p:txBody>
+          <a:bodyPr/>
+          <a:lstStyle/>
+          <a:p>
+            <a:endParaRPr lang="en-US"/>
+          </a:p>
+        </p:txBody>
+      </p:sp>
+    </p:spTree>
+    <p:extLst>
+      <p:ext uri="{BB962C8B-B14F-4D97-AF65-F5344CB8AC3E}">
+        <p14:creationId xmlns:p14="http://schemas.microsoft.com/office/powerpoint/2010/main" val="2485066414"/>
+      </p:ext>
+    </p:extLst>
+  </p:cSld>
+  <p:clrMapOvr>
+    <a:masterClrMapping/>
+  </p:clrMapOvr>
+</p:sld>
+</file>
+
+<file path=ppt/slides/slide26.xml><?xml version="1.0" encoding="utf-8"?>
+<p:sld xmlns:a="http://schemas.openxmlformats.org/drawingml/2006/main" xmlns:r="http://schemas.openxmlformats.org/officeDocument/2006/relationships" xmlns:p="http://schemas.openxmlformats.org/presentationml/2006/main">
+  <p:cSld>
+    <p:spTree>
+      <p:nvGrpSpPr>
+        <p:cNvPr id="1" name="Shape 151"/>
+        <p:cNvGrpSpPr/>
+        <p:nvPr/>
+      </p:nvGrpSpPr>
+      <p:grpSpPr>
+        <a:xfrm>
+          <a:off x="0" y="0"/>
+          <a:ext cx="0" cy="0"/>
+          <a:chOff x="0" y="0"/>
+          <a:chExt cx="0" cy="0"/>
+        </a:xfrm>
+      </p:grpSpPr>
+      <p:pic>
+        <p:nvPicPr>
+          <p:cNvPr id="152" name="Google Shape;152;p13" descr="C:\Users\spanport\Desktop\Spanish.psycophy\images\black.png"/>
+          <p:cNvPicPr preferRelativeResize="0"/>
+          <p:nvPr/>
+        </p:nvPicPr>
+        <p:blipFill rotWithShape="1">
+          <a:blip r:embed="rId3">
+            <a:alphaModFix/>
+          </a:blip>
+          <a:srcRect/>
+          <a:stretch/>
+        </p:blipFill>
+        <p:spPr>
+          <a:xfrm>
+            <a:off x="3714675" y="2571675"/>
+            <a:ext cx="1714649" cy="1714649"/>
+          </a:xfrm>
+          <a:prstGeom prst="rect">
+            <a:avLst/>
+          </a:prstGeom>
+          <a:noFill/>
+          <a:ln>
+            <a:noFill/>
+          </a:ln>
+        </p:spPr>
+      </p:pic>
+    </p:spTree>
+    <p:extLst>
+      <p:ext uri="{BB962C8B-B14F-4D97-AF65-F5344CB8AC3E}">
+        <p14:creationId xmlns:p14="http://schemas.microsoft.com/office/powerpoint/2010/main" val="3467111972"/>
+      </p:ext>
+    </p:extLst>
+  </p:cSld>
+  <p:clrMapOvr>
+    <a:masterClrMapping/>
+  </p:clrMapOvr>
+</p:sld>
+</file>
+
+<file path=ppt/slides/slide27.xml><?xml version="1.0" encoding="utf-8"?>
+<p:sld xmlns:a="http://schemas.openxmlformats.org/drawingml/2006/main" xmlns:r="http://schemas.openxmlformats.org/officeDocument/2006/relationships" xmlns:p="http://schemas.openxmlformats.org/presentationml/2006/main">
+  <p:cSld>
+    <p:spTree>
+      <p:nvGrpSpPr>
+        <p:cNvPr id="1" name=""/>
+        <p:cNvGrpSpPr/>
+        <p:nvPr/>
+      </p:nvGrpSpPr>
+      <p:grpSpPr>
+        <a:xfrm>
+          <a:off x="0" y="0"/>
+          <a:ext cx="0" cy="0"/>
+          <a:chOff x="0" y="0"/>
+          <a:chExt cx="0" cy="0"/>
+        </a:xfrm>
+      </p:grpSpPr>
+      <p:sp>
+        <p:nvSpPr>
+          <p:cNvPr id="2" name="Title 1">
+            <a:extLst>
+              <a:ext uri="{FF2B5EF4-FFF2-40B4-BE49-F238E27FC236}">
+                <a16:creationId xmlns:a16="http://schemas.microsoft.com/office/drawing/2014/main" id="{96054C3B-9F68-4501-A6B0-9859FB2BD678}"/>
+              </a:ext>
+            </a:extLst>
+          </p:cNvPr>
+          <p:cNvSpPr>
+            <a:spLocks noGrp="1"/>
+          </p:cNvSpPr>
+          <p:nvPr>
+            <p:ph type="ctrTitle"/>
+          </p:nvPr>
+        </p:nvSpPr>
+        <p:spPr/>
+        <p:txBody>
+          <a:bodyPr/>
+          <a:lstStyle/>
+          <a:p>
+            <a:r>
+              <a:rPr lang="he-IL" dirty="0"/>
+              <a:t>הַַיָמים</a:t>
+            </a:r>
+            <a:endParaRPr lang="en-US" dirty="0"/>
+          </a:p>
+        </p:txBody>
+      </p:sp>
+      <p:sp>
+        <p:nvSpPr>
+          <p:cNvPr id="3" name="Subtitle 2">
+            <a:extLst>
+              <a:ext uri="{FF2B5EF4-FFF2-40B4-BE49-F238E27FC236}">
+                <a16:creationId xmlns:a16="http://schemas.microsoft.com/office/drawing/2014/main" id="{E43A1F76-AC54-481C-BE4C-0A50285DA200}"/>
+              </a:ext>
+            </a:extLst>
+          </p:cNvPr>
+          <p:cNvSpPr>
+            <a:spLocks noGrp="1"/>
+          </p:cNvSpPr>
+          <p:nvPr>
+            <p:ph type="subTitle" idx="1"/>
+          </p:nvPr>
+        </p:nvSpPr>
+        <p:spPr/>
+        <p:txBody>
+          <a:bodyPr/>
+          <a:lstStyle/>
+          <a:p>
+            <a:endParaRPr lang="en-US"/>
+          </a:p>
+        </p:txBody>
+      </p:sp>
+    </p:spTree>
+    <p:extLst>
+      <p:ext uri="{BB962C8B-B14F-4D97-AF65-F5344CB8AC3E}">
+        <p14:creationId xmlns:p14="http://schemas.microsoft.com/office/powerpoint/2010/main" val="3095109275"/>
+      </p:ext>
+    </p:extLst>
+  </p:cSld>
+  <p:clrMapOvr>
+    <a:masterClrMapping/>
+  </p:clrMapOvr>
+</p:sld>
+</file>
+
+<file path=ppt/slides/slide28.xml><?xml version="1.0" encoding="utf-8"?>
+<p:sld xmlns:a="http://schemas.openxmlformats.org/drawingml/2006/main" xmlns:r="http://schemas.openxmlformats.org/officeDocument/2006/relationships" xmlns:p="http://schemas.openxmlformats.org/presentationml/2006/main">
+  <p:cSld>
+    <p:spTree>
+      <p:nvGrpSpPr>
+        <p:cNvPr id="1" name="Shape 151"/>
+        <p:cNvGrpSpPr/>
+        <p:nvPr/>
+      </p:nvGrpSpPr>
+      <p:grpSpPr>
+        <a:xfrm>
+          <a:off x="0" y="0"/>
+          <a:ext cx="0" cy="0"/>
+          <a:chOff x="0" y="0"/>
+          <a:chExt cx="0" cy="0"/>
+        </a:xfrm>
+      </p:grpSpPr>
+      <p:pic>
+        <p:nvPicPr>
+          <p:cNvPr id="152" name="Google Shape;152;p13" descr="C:\Users\spanport\Desktop\Spanish.psycophy\images\black.png"/>
+          <p:cNvPicPr preferRelativeResize="0"/>
+          <p:nvPr/>
+        </p:nvPicPr>
+        <p:blipFill rotWithShape="1">
+          <a:blip r:embed="rId3">
+            <a:alphaModFix/>
+          </a:blip>
+          <a:srcRect/>
+          <a:stretch/>
+        </p:blipFill>
+        <p:spPr>
+          <a:xfrm>
+            <a:off x="3714675" y="2571675"/>
+            <a:ext cx="1714649" cy="1714649"/>
+          </a:xfrm>
+          <a:prstGeom prst="rect">
+            <a:avLst/>
+          </a:prstGeom>
+          <a:noFill/>
+          <a:ln>
+            <a:noFill/>
+          </a:ln>
+        </p:spPr>
+      </p:pic>
+    </p:spTree>
+    <p:extLst>
+      <p:ext uri="{BB962C8B-B14F-4D97-AF65-F5344CB8AC3E}">
+        <p14:creationId xmlns:p14="http://schemas.microsoft.com/office/powerpoint/2010/main" val="325578519"/>
+      </p:ext>
+    </p:extLst>
+  </p:cSld>
+  <p:clrMapOvr>
+    <a:masterClrMapping/>
+  </p:clrMapOvr>
+</p:sld>
+</file>
+
+<file path=ppt/slides/slide29.xml><?xml version="1.0" encoding="utf-8"?>
+<p:sld xmlns:a="http://schemas.openxmlformats.org/drawingml/2006/main" xmlns:r="http://schemas.openxmlformats.org/officeDocument/2006/relationships" xmlns:p="http://schemas.openxmlformats.org/presentationml/2006/main">
+  <p:cSld>
+    <p:spTree>
+      <p:nvGrpSpPr>
+        <p:cNvPr id="1" name=""/>
+        <p:cNvGrpSpPr/>
+        <p:nvPr/>
+      </p:nvGrpSpPr>
+      <p:grpSpPr>
+        <a:xfrm>
+          <a:off x="0" y="0"/>
+          <a:ext cx="0" cy="0"/>
+          <a:chOff x="0" y="0"/>
+          <a:chExt cx="0" cy="0"/>
+        </a:xfrm>
+      </p:grpSpPr>
+      <p:sp>
+        <p:nvSpPr>
+          <p:cNvPr id="2" name="Title 1">
+            <a:extLst>
+              <a:ext uri="{FF2B5EF4-FFF2-40B4-BE49-F238E27FC236}">
+                <a16:creationId xmlns:a16="http://schemas.microsoft.com/office/drawing/2014/main" id="{ACFEC7FD-7C9D-475A-9FE6-32F489256719}"/>
+              </a:ext>
+            </a:extLst>
+          </p:cNvPr>
+          <p:cNvSpPr>
+            <a:spLocks noGrp="1"/>
+          </p:cNvSpPr>
+          <p:nvPr>
+            <p:ph type="ctrTitle"/>
+          </p:nvPr>
+        </p:nvSpPr>
+        <p:spPr/>
+        <p:txBody>
+          <a:bodyPr/>
+          <a:lstStyle/>
+          <a:p>
+            <a:r>
+              <a:rPr lang="he-IL" dirty="0"/>
+              <a:t> הַַתוֹכְנִיוֹת</a:t>
+            </a:r>
+            <a:endParaRPr lang="en-US" dirty="0"/>
+          </a:p>
+        </p:txBody>
+      </p:sp>
+      <p:sp>
+        <p:nvSpPr>
+          <p:cNvPr id="3" name="Subtitle 2">
+            <a:extLst>
+              <a:ext uri="{FF2B5EF4-FFF2-40B4-BE49-F238E27FC236}">
+                <a16:creationId xmlns:a16="http://schemas.microsoft.com/office/drawing/2014/main" id="{CE8EC70C-BBEF-4102-8162-216822D0566A}"/>
+              </a:ext>
+            </a:extLst>
+          </p:cNvPr>
+          <p:cNvSpPr>
+            <a:spLocks noGrp="1"/>
+          </p:cNvSpPr>
+          <p:nvPr>
+            <p:ph type="subTitle" idx="1"/>
+          </p:nvPr>
+        </p:nvSpPr>
+        <p:spPr/>
+        <p:txBody>
+          <a:bodyPr/>
+          <a:lstStyle/>
+          <a:p>
+            <a:endParaRPr lang="en-US"/>
+          </a:p>
+        </p:txBody>
+      </p:sp>
+    </p:spTree>
+    <p:extLst>
+      <p:ext uri="{BB962C8B-B14F-4D97-AF65-F5344CB8AC3E}">
+        <p14:creationId xmlns:p14="http://schemas.microsoft.com/office/powerpoint/2010/main" val="3841157343"/>
+      </p:ext>
+    </p:extLst>
+  </p:cSld>
+  <p:clrMapOvr>
+    <a:masterClrMapping/>
+  </p:clrMapOvr>
+</p:sld>
+</file>
+
+<file path=ppt/slides/slide3.xml><?xml version="1.0" encoding="utf-8"?>
+<p:sld xmlns:a="http://schemas.openxmlformats.org/drawingml/2006/main" xmlns:r="http://schemas.openxmlformats.org/officeDocument/2006/relationships" xmlns:p="http://schemas.openxmlformats.org/presentationml/2006/main">
+  <p:cSld>
+    <p:spTree>
+      <p:nvGrpSpPr>
+        <p:cNvPr id="1" name=""/>
+        <p:cNvGrpSpPr/>
+        <p:nvPr/>
+      </p:nvGrpSpPr>
+      <p:grpSpPr>
+        <a:xfrm>
+          <a:off x="0" y="0"/>
+          <a:ext cx="0" cy="0"/>
+          <a:chOff x="0" y="0"/>
+          <a:chExt cx="0" cy="0"/>
+        </a:xfrm>
+      </p:grpSpPr>
+      <p:sp>
+        <p:nvSpPr>
+          <p:cNvPr id="2" name="Title 1">
+            <a:extLst>
+              <a:ext uri="{FF2B5EF4-FFF2-40B4-BE49-F238E27FC236}">
                 <a16:creationId xmlns:a16="http://schemas.microsoft.com/office/drawing/2014/main" id="{9267A2A8-33BE-47A3-BDE8-6A432C5744BF}"/>
               </a:ext>
             </a:extLst>
@@ -5554,7 +5960,208 @@
 </p:sld>
 </file>
 
-<file path=ppt/slides/slide19.xml><?xml version="1.0" encoding="utf-8"?>
+<file path=ppt/slides/slide30.xml><?xml version="1.0" encoding="utf-8"?>
+<p:sld xmlns:a="http://schemas.openxmlformats.org/drawingml/2006/main" xmlns:r="http://schemas.openxmlformats.org/officeDocument/2006/relationships" xmlns:p="http://schemas.openxmlformats.org/presentationml/2006/main">
+  <p:cSld>
+    <p:spTree>
+      <p:nvGrpSpPr>
+        <p:cNvPr id="1" name="Shape 173"/>
+        <p:cNvGrpSpPr/>
+        <p:nvPr/>
+      </p:nvGrpSpPr>
+      <p:grpSpPr>
+        <a:xfrm>
+          <a:off x="0" y="0"/>
+          <a:ext cx="0" cy="0"/>
+          <a:chOff x="0" y="0"/>
+          <a:chExt cx="0" cy="0"/>
+        </a:xfrm>
+      </p:grpSpPr>
+      <p:pic>
+        <p:nvPicPr>
+          <p:cNvPr id="174" name="Google Shape;174;p17" descr="C:\Users\spanport\Desktop\Spanish.psycophy\images\white.png"/>
+          <p:cNvPicPr preferRelativeResize="0"/>
+          <p:nvPr/>
+        </p:nvPicPr>
+        <p:blipFill rotWithShape="1">
+          <a:blip r:embed="rId3">
+            <a:alphaModFix/>
+          </a:blip>
+          <a:srcRect/>
+          <a:stretch/>
+        </p:blipFill>
+        <p:spPr>
+          <a:xfrm>
+            <a:off x="3714675" y="2571675"/>
+            <a:ext cx="1714649" cy="1714649"/>
+          </a:xfrm>
+          <a:prstGeom prst="rect">
+            <a:avLst/>
+          </a:prstGeom>
+          <a:noFill/>
+          <a:ln>
+            <a:noFill/>
+          </a:ln>
+        </p:spPr>
+      </p:pic>
+    </p:spTree>
+    <p:extLst>
+      <p:ext uri="{BB962C8B-B14F-4D97-AF65-F5344CB8AC3E}">
+        <p14:creationId xmlns:p14="http://schemas.microsoft.com/office/powerpoint/2010/main" val="1234132332"/>
+      </p:ext>
+    </p:extLst>
+  </p:cSld>
+  <p:clrMapOvr>
+    <a:masterClrMapping/>
+  </p:clrMapOvr>
+</p:sld>
+</file>
+
+<file path=ppt/slides/slide31.xml><?xml version="1.0" encoding="utf-8"?>
+<p:sld xmlns:a="http://schemas.openxmlformats.org/drawingml/2006/main" xmlns:r="http://schemas.openxmlformats.org/officeDocument/2006/relationships" xmlns:p="http://schemas.openxmlformats.org/presentationml/2006/main">
+  <p:cSld>
+    <p:spTree>
+      <p:nvGrpSpPr>
+        <p:cNvPr id="1" name=""/>
+        <p:cNvGrpSpPr/>
+        <p:nvPr/>
+      </p:nvGrpSpPr>
+      <p:grpSpPr>
+        <a:xfrm>
+          <a:off x="0" y="0"/>
+          <a:ext cx="0" cy="0"/>
+          <a:chOff x="0" y="0"/>
+          <a:chExt cx="0" cy="0"/>
+        </a:xfrm>
+      </p:grpSpPr>
+      <p:sp>
+        <p:nvSpPr>
+          <p:cNvPr id="2" name="Title 1">
+            <a:extLst>
+              <a:ext uri="{FF2B5EF4-FFF2-40B4-BE49-F238E27FC236}">
+                <a16:creationId xmlns:a16="http://schemas.microsoft.com/office/drawing/2014/main" id="{7B3DC858-4BE7-45A1-8820-216CBDD6A4BB}"/>
+              </a:ext>
+            </a:extLst>
+          </p:cNvPr>
+          <p:cNvSpPr>
+            <a:spLocks noGrp="1"/>
+          </p:cNvSpPr>
+          <p:nvPr>
+            <p:ph type="ctrTitle"/>
+          </p:nvPr>
+        </p:nvSpPr>
+        <p:spPr/>
+        <p:txBody>
+          <a:bodyPr/>
+          <a:lstStyle/>
+          <a:p>
+            <a:r>
+              <a:rPr lang="he-IL" dirty="0"/>
+              <a:t>הַַאוֹהֲלִים </a:t>
+            </a:r>
+            <a:r>
+              <a:rPr lang="en-US" dirty="0"/>
+              <a:t>  </a:t>
+            </a:r>
+          </a:p>
+        </p:txBody>
+      </p:sp>
+      <p:sp>
+        <p:nvSpPr>
+          <p:cNvPr id="3" name="Subtitle 2">
+            <a:extLst>
+              <a:ext uri="{FF2B5EF4-FFF2-40B4-BE49-F238E27FC236}">
+                <a16:creationId xmlns:a16="http://schemas.microsoft.com/office/drawing/2014/main" id="{2648AAF5-D0E0-4BC9-AFA3-35BC65240E79}"/>
+              </a:ext>
+            </a:extLst>
+          </p:cNvPr>
+          <p:cNvSpPr>
+            <a:spLocks noGrp="1"/>
+          </p:cNvSpPr>
+          <p:nvPr>
+            <p:ph type="subTitle" idx="1"/>
+          </p:nvPr>
+        </p:nvSpPr>
+        <p:spPr/>
+        <p:txBody>
+          <a:bodyPr/>
+          <a:lstStyle/>
+          <a:p>
+            <a:endParaRPr lang="en-US"/>
+          </a:p>
+        </p:txBody>
+      </p:sp>
+    </p:spTree>
+    <p:extLst>
+      <p:ext uri="{BB962C8B-B14F-4D97-AF65-F5344CB8AC3E}">
+        <p14:creationId xmlns:p14="http://schemas.microsoft.com/office/powerpoint/2010/main" val="2133917798"/>
+      </p:ext>
+    </p:extLst>
+  </p:cSld>
+  <p:clrMapOvr>
+    <a:masterClrMapping/>
+  </p:clrMapOvr>
+</p:sld>
+</file>
+
+<file path=ppt/slides/slide32.xml><?xml version="1.0" encoding="utf-8"?>
+<p:sld xmlns:a="http://schemas.openxmlformats.org/drawingml/2006/main" xmlns:r="http://schemas.openxmlformats.org/officeDocument/2006/relationships" xmlns:p="http://schemas.openxmlformats.org/presentationml/2006/main">
+  <p:cSld>
+    <p:spTree>
+      <p:nvGrpSpPr>
+        <p:cNvPr id="1" name=""/>
+        <p:cNvGrpSpPr/>
+        <p:nvPr/>
+      </p:nvGrpSpPr>
+      <p:grpSpPr>
+        <a:xfrm>
+          <a:off x="0" y="0"/>
+          <a:ext cx="0" cy="0"/>
+          <a:chOff x="0" y="0"/>
+          <a:chExt cx="0" cy="0"/>
+        </a:xfrm>
+      </p:grpSpPr>
+      <p:pic>
+        <p:nvPicPr>
+          <p:cNvPr id="2" name="Google Shape;185;p19" descr="C:\Users\spanport\Desktop\Spanish.psycophy\images\yellow.png"/>
+          <p:cNvPicPr preferRelativeResize="0"/>
+          <p:nvPr/>
+        </p:nvPicPr>
+        <p:blipFill rotWithShape="1">
+          <a:blip r:embed="rId2">
+            <a:alphaModFix/>
+          </a:blip>
+          <a:srcRect/>
+          <a:stretch/>
+        </p:blipFill>
+        <p:spPr>
+          <a:xfrm>
+            <a:off x="3714675" y="2571675"/>
+            <a:ext cx="1714649" cy="1714649"/>
+          </a:xfrm>
+          <a:prstGeom prst="rect">
+            <a:avLst/>
+          </a:prstGeom>
+          <a:noFill/>
+          <a:ln>
+            <a:noFill/>
+          </a:ln>
+        </p:spPr>
+      </p:pic>
+    </p:spTree>
+    <p:extLst>
+      <p:ext uri="{BB962C8B-B14F-4D97-AF65-F5344CB8AC3E}">
+        <p14:creationId xmlns:p14="http://schemas.microsoft.com/office/powerpoint/2010/main" val="4273709121"/>
+      </p:ext>
+    </p:extLst>
+  </p:cSld>
+  <p:clrMapOvr>
+    <a:masterClrMapping/>
+  </p:clrMapOvr>
+</p:sld>
+</file>
+
+<file path=ppt/slides/slide4.xml><?xml version="1.0" encoding="utf-8"?>
 <p:sld xmlns:a="http://schemas.openxmlformats.org/drawingml/2006/main" xmlns:r="http://schemas.openxmlformats.org/officeDocument/2006/relationships" xmlns:p="http://schemas.openxmlformats.org/presentationml/2006/main">
   <p:cSld>
     <p:spTree>
@@ -5765,7 +6372,7 @@
 </p:sld>
 </file>
 
-<file path=ppt/slides/slide2.xml><?xml version="1.0" encoding="utf-8"?>
+<file path=ppt/slides/slide5.xml><?xml version="1.0" encoding="utf-8"?>
 <p:sld xmlns:a="http://schemas.openxmlformats.org/drawingml/2006/main" xmlns:r="http://schemas.openxmlformats.org/officeDocument/2006/relationships" xmlns:p="http://schemas.openxmlformats.org/presentationml/2006/main">
   <p:cSld>
     <p:spTree>
@@ -5787,89 +6394,6 @@
           <p:cNvPr id="2" name="Title 1">
             <a:extLst>
               <a:ext uri="{FF2B5EF4-FFF2-40B4-BE49-F238E27FC236}">
-                <a16:creationId xmlns:a16="http://schemas.microsoft.com/office/drawing/2014/main" id="{5A7BEC98-9CDC-487D-A4DA-B74C9A160F62}"/>
-              </a:ext>
-            </a:extLst>
-          </p:cNvPr>
-          <p:cNvSpPr>
-            <a:spLocks noGrp="1"/>
-          </p:cNvSpPr>
-          <p:nvPr>
-            <p:ph type="ctrTitle"/>
-          </p:nvPr>
-        </p:nvSpPr>
-        <p:spPr/>
-        <p:txBody>
-          <a:bodyPr/>
-          <a:lstStyle/>
-          <a:p>
-            <a:r>
-              <a:rPr lang="en-US" dirty="0"/>
-              <a:t>Let's do a practice </a:t>
-            </a:r>
-          </a:p>
-        </p:txBody>
-      </p:sp>
-      <p:sp>
-        <p:nvSpPr>
-          <p:cNvPr id="3" name="Subtitle 2">
-            <a:extLst>
-              <a:ext uri="{FF2B5EF4-FFF2-40B4-BE49-F238E27FC236}">
-                <a16:creationId xmlns:a16="http://schemas.microsoft.com/office/drawing/2014/main" id="{3C4E14E7-EA33-4008-AD42-32E9CBD880EB}"/>
-              </a:ext>
-            </a:extLst>
-          </p:cNvPr>
-          <p:cNvSpPr>
-            <a:spLocks noGrp="1"/>
-          </p:cNvSpPr>
-          <p:nvPr>
-            <p:ph type="subTitle" idx="1"/>
-          </p:nvPr>
-        </p:nvSpPr>
-        <p:spPr/>
-        <p:txBody>
-          <a:bodyPr/>
-          <a:lstStyle/>
-          <a:p>
-            <a:endParaRPr lang="en-US" dirty="0"/>
-          </a:p>
-        </p:txBody>
-      </p:sp>
-    </p:spTree>
-    <p:extLst>
-      <p:ext uri="{BB962C8B-B14F-4D97-AF65-F5344CB8AC3E}">
-        <p14:creationId xmlns:p14="http://schemas.microsoft.com/office/powerpoint/2010/main" val="2280088193"/>
-      </p:ext>
-    </p:extLst>
-  </p:cSld>
-  <p:clrMapOvr>
-    <a:masterClrMapping/>
-  </p:clrMapOvr>
-</p:sld>
-</file>
-
-<file path=ppt/slides/slide20.xml><?xml version="1.0" encoding="utf-8"?>
-<p:sld xmlns:a="http://schemas.openxmlformats.org/drawingml/2006/main" xmlns:r="http://schemas.openxmlformats.org/officeDocument/2006/relationships" xmlns:p="http://schemas.openxmlformats.org/presentationml/2006/main">
-  <p:cSld>
-    <p:spTree>
-      <p:nvGrpSpPr>
-        <p:cNvPr id="1" name=""/>
-        <p:cNvGrpSpPr/>
-        <p:nvPr/>
-      </p:nvGrpSpPr>
-      <p:grpSpPr>
-        <a:xfrm>
-          <a:off x="0" y="0"/>
-          <a:ext cx="0" cy="0"/>
-          <a:chOff x="0" y="0"/>
-          <a:chExt cx="0" cy="0"/>
-        </a:xfrm>
-      </p:grpSpPr>
-      <p:sp>
-        <p:nvSpPr>
-          <p:cNvPr id="2" name="Title 1">
-            <a:extLst>
-              <a:ext uri="{FF2B5EF4-FFF2-40B4-BE49-F238E27FC236}">
                 <a16:creationId xmlns:a16="http://schemas.microsoft.com/office/drawing/2014/main" id="{C0F4F15C-76D2-4B24-8789-859B7D8F6C8B}"/>
               </a:ext>
             </a:extLst>
@@ -5932,7 +6456,7 @@
 </p:sld>
 </file>
 
-<file path=ppt/slides/slide21.xml><?xml version="1.0" encoding="utf-8"?>
+<file path=ppt/slides/slide6.xml><?xml version="1.0" encoding="utf-8"?>
 <p:sld xmlns:a="http://schemas.openxmlformats.org/drawingml/2006/main" xmlns:r="http://schemas.openxmlformats.org/officeDocument/2006/relationships" xmlns:p="http://schemas.openxmlformats.org/presentationml/2006/main">
   <p:cSld>
     <p:spTree>
@@ -5995,7 +6519,7 @@
 </p:sld>
 </file>
 
-<file path=ppt/slides/slide22.xml><?xml version="1.0" encoding="utf-8"?>
+<file path=ppt/slides/slide7.xml><?xml version="1.0" encoding="utf-8"?>
 <p:sld xmlns:a="http://schemas.openxmlformats.org/drawingml/2006/main" xmlns:r="http://schemas.openxmlformats.org/officeDocument/2006/relationships" xmlns:p="http://schemas.openxmlformats.org/presentationml/2006/main">
   <p:cSld>
     <p:spTree>
@@ -6082,7 +6606,7 @@
 </p:sld>
 </file>
 
-<file path=ppt/slides/slide23.xml><?xml version="1.0" encoding="utf-8"?>
+<file path=ppt/slides/slide8.xml><?xml version="1.0" encoding="utf-8"?>
 <p:sld xmlns:a="http://schemas.openxmlformats.org/drawingml/2006/main" xmlns:r="http://schemas.openxmlformats.org/officeDocument/2006/relationships" xmlns:p="http://schemas.openxmlformats.org/presentationml/2006/main">
   <p:cSld>
     <p:spTree>
@@ -6145,2218 +6669,6 @@
 </p:sld>
 </file>
 
-<file path=ppt/slides/slide24.xml><?xml version="1.0" encoding="utf-8"?>
-<p:sld xmlns:a="http://schemas.openxmlformats.org/drawingml/2006/main" xmlns:r="http://schemas.openxmlformats.org/officeDocument/2006/relationships" xmlns:p="http://schemas.openxmlformats.org/presentationml/2006/main">
-  <p:cSld>
-    <p:spTree>
-      <p:nvGrpSpPr>
-        <p:cNvPr id="1" name=""/>
-        <p:cNvGrpSpPr/>
-        <p:nvPr/>
-      </p:nvGrpSpPr>
-      <p:grpSpPr>
-        <a:xfrm>
-          <a:off x="0" y="0"/>
-          <a:ext cx="0" cy="0"/>
-          <a:chOff x="0" y="0"/>
-          <a:chExt cx="0" cy="0"/>
-        </a:xfrm>
-      </p:grpSpPr>
-      <p:sp>
-        <p:nvSpPr>
-          <p:cNvPr id="2" name="Title 1">
-            <a:extLst>
-              <a:ext uri="{FF2B5EF4-FFF2-40B4-BE49-F238E27FC236}">
-                <a16:creationId xmlns:a16="http://schemas.microsoft.com/office/drawing/2014/main" id="{E552D1C3-8FE9-4DF3-94A9-4FE2FE262823}"/>
-              </a:ext>
-            </a:extLst>
-          </p:cNvPr>
-          <p:cNvSpPr>
-            <a:spLocks noGrp="1"/>
-          </p:cNvSpPr>
-          <p:nvPr>
-            <p:ph type="ctrTitle"/>
-          </p:nvPr>
-        </p:nvSpPr>
-        <p:spPr/>
-        <p:txBody>
-          <a:bodyPr/>
-          <a:lstStyle/>
-          <a:p>
-            <a:r>
-              <a:rPr lang="he-IL" dirty="0"/>
-              <a:t> הַבּוּלים </a:t>
-            </a:r>
-            <a:endParaRPr lang="en-US" dirty="0"/>
-          </a:p>
-        </p:txBody>
-      </p:sp>
-      <p:sp>
-        <p:nvSpPr>
-          <p:cNvPr id="3" name="Subtitle 2">
-            <a:extLst>
-              <a:ext uri="{FF2B5EF4-FFF2-40B4-BE49-F238E27FC236}">
-                <a16:creationId xmlns:a16="http://schemas.microsoft.com/office/drawing/2014/main" id="{AA566CAA-E838-488A-8AEA-5E1E2036478B}"/>
-              </a:ext>
-            </a:extLst>
-          </p:cNvPr>
-          <p:cNvSpPr>
-            <a:spLocks noGrp="1"/>
-          </p:cNvSpPr>
-          <p:nvPr>
-            <p:ph type="subTitle" idx="1"/>
-          </p:nvPr>
-        </p:nvSpPr>
-        <p:spPr/>
-        <p:txBody>
-          <a:bodyPr/>
-          <a:lstStyle/>
-          <a:p>
-            <a:endParaRPr lang="en-US"/>
-          </a:p>
-        </p:txBody>
-      </p:sp>
-    </p:spTree>
-    <p:extLst>
-      <p:ext uri="{BB962C8B-B14F-4D97-AF65-F5344CB8AC3E}">
-        <p14:creationId xmlns:p14="http://schemas.microsoft.com/office/powerpoint/2010/main" val="96392885"/>
-      </p:ext>
-    </p:extLst>
-  </p:cSld>
-  <p:clrMapOvr>
-    <a:masterClrMapping/>
-  </p:clrMapOvr>
-</p:sld>
-</file>
-
-<file path=ppt/slides/slide25.xml><?xml version="1.0" encoding="utf-8"?>
-<p:sld xmlns:a="http://schemas.openxmlformats.org/drawingml/2006/main" xmlns:r="http://schemas.openxmlformats.org/officeDocument/2006/relationships" xmlns:p="http://schemas.openxmlformats.org/presentationml/2006/main">
-  <p:cSld>
-    <p:spTree>
-      <p:nvGrpSpPr>
-        <p:cNvPr id="1" name="Shape 173"/>
-        <p:cNvGrpSpPr/>
-        <p:nvPr/>
-      </p:nvGrpSpPr>
-      <p:grpSpPr>
-        <a:xfrm>
-          <a:off x="0" y="0"/>
-          <a:ext cx="0" cy="0"/>
-          <a:chOff x="0" y="0"/>
-          <a:chExt cx="0" cy="0"/>
-        </a:xfrm>
-      </p:grpSpPr>
-      <p:pic>
-        <p:nvPicPr>
-          <p:cNvPr id="174" name="Google Shape;174;p17" descr="C:\Users\spanport\Desktop\Spanish.psycophy\images\white.png"/>
-          <p:cNvPicPr preferRelativeResize="0"/>
-          <p:nvPr/>
-        </p:nvPicPr>
-        <p:blipFill rotWithShape="1">
-          <a:blip r:embed="rId3">
-            <a:alphaModFix/>
-          </a:blip>
-          <a:srcRect/>
-          <a:stretch/>
-        </p:blipFill>
-        <p:spPr>
-          <a:xfrm>
-            <a:off x="3714675" y="2571675"/>
-            <a:ext cx="1714649" cy="1714649"/>
-          </a:xfrm>
-          <a:prstGeom prst="rect">
-            <a:avLst/>
-          </a:prstGeom>
-          <a:noFill/>
-          <a:ln>
-            <a:noFill/>
-          </a:ln>
-        </p:spPr>
-      </p:pic>
-    </p:spTree>
-    <p:extLst>
-      <p:ext uri="{BB962C8B-B14F-4D97-AF65-F5344CB8AC3E}">
-        <p14:creationId xmlns:p14="http://schemas.microsoft.com/office/powerpoint/2010/main" val="2446164832"/>
-      </p:ext>
-    </p:extLst>
-  </p:cSld>
-  <p:clrMapOvr>
-    <a:masterClrMapping/>
-  </p:clrMapOvr>
-</p:sld>
-</file>
-
-<file path=ppt/slides/slide26.xml><?xml version="1.0" encoding="utf-8"?>
-<p:sld xmlns:a="http://schemas.openxmlformats.org/drawingml/2006/main" xmlns:r="http://schemas.openxmlformats.org/officeDocument/2006/relationships" xmlns:p="http://schemas.openxmlformats.org/presentationml/2006/main">
-  <p:cSld>
-    <p:spTree>
-      <p:nvGrpSpPr>
-        <p:cNvPr id="1" name=""/>
-        <p:cNvGrpSpPr/>
-        <p:nvPr/>
-      </p:nvGrpSpPr>
-      <p:grpSpPr>
-        <a:xfrm>
-          <a:off x="0" y="0"/>
-          <a:ext cx="0" cy="0"/>
-          <a:chOff x="0" y="0"/>
-          <a:chExt cx="0" cy="0"/>
-        </a:xfrm>
-      </p:grpSpPr>
-      <p:sp>
-        <p:nvSpPr>
-          <p:cNvPr id="2" name="Title 1">
-            <a:extLst>
-              <a:ext uri="{FF2B5EF4-FFF2-40B4-BE49-F238E27FC236}">
-                <a16:creationId xmlns:a16="http://schemas.microsoft.com/office/drawing/2014/main" id="{59F1B730-32D5-4B66-A259-52F6C585DBB7}"/>
-              </a:ext>
-            </a:extLst>
-          </p:cNvPr>
-          <p:cNvSpPr>
-            <a:spLocks noGrp="1"/>
-          </p:cNvSpPr>
-          <p:nvPr>
-            <p:ph type="ctrTitle"/>
-          </p:nvPr>
-        </p:nvSpPr>
-        <p:spPr/>
-        <p:txBody>
-          <a:bodyPr/>
-          <a:lstStyle/>
-          <a:p>
-            <a:r>
-              <a:rPr lang="he-IL" dirty="0"/>
-              <a:t> הַמִיטוֹת</a:t>
-            </a:r>
-            <a:endParaRPr lang="en-US" dirty="0"/>
-          </a:p>
-        </p:txBody>
-      </p:sp>
-      <p:sp>
-        <p:nvSpPr>
-          <p:cNvPr id="3" name="Subtitle 2">
-            <a:extLst>
-              <a:ext uri="{FF2B5EF4-FFF2-40B4-BE49-F238E27FC236}">
-                <a16:creationId xmlns:a16="http://schemas.microsoft.com/office/drawing/2014/main" id="{90B34F64-5D39-4C81-B533-B582ED89A0F8}"/>
-              </a:ext>
-            </a:extLst>
-          </p:cNvPr>
-          <p:cNvSpPr>
-            <a:spLocks noGrp="1"/>
-          </p:cNvSpPr>
-          <p:nvPr>
-            <p:ph type="subTitle" idx="1"/>
-          </p:nvPr>
-        </p:nvSpPr>
-        <p:spPr/>
-        <p:txBody>
-          <a:bodyPr/>
-          <a:lstStyle/>
-          <a:p>
-            <a:endParaRPr lang="en-US"/>
-          </a:p>
-        </p:txBody>
-      </p:sp>
-    </p:spTree>
-    <p:extLst>
-      <p:ext uri="{BB962C8B-B14F-4D97-AF65-F5344CB8AC3E}">
-        <p14:creationId xmlns:p14="http://schemas.microsoft.com/office/powerpoint/2010/main" val="2110106854"/>
-      </p:ext>
-    </p:extLst>
-  </p:cSld>
-  <p:clrMapOvr>
-    <a:masterClrMapping/>
-  </p:clrMapOvr>
-</p:sld>
-</file>
-
-<file path=ppt/slides/slide27.xml><?xml version="1.0" encoding="utf-8"?>
-<p:sld xmlns:a="http://schemas.openxmlformats.org/drawingml/2006/main" xmlns:r="http://schemas.openxmlformats.org/officeDocument/2006/relationships" xmlns:p="http://schemas.openxmlformats.org/presentationml/2006/main">
-  <p:cSld>
-    <p:spTree>
-      <p:nvGrpSpPr>
-        <p:cNvPr id="1" name=""/>
-        <p:cNvGrpSpPr/>
-        <p:nvPr/>
-      </p:nvGrpSpPr>
-      <p:grpSpPr>
-        <a:xfrm>
-          <a:off x="0" y="0"/>
-          <a:ext cx="0" cy="0"/>
-          <a:chOff x="0" y="0"/>
-          <a:chExt cx="0" cy="0"/>
-        </a:xfrm>
-      </p:grpSpPr>
-      <p:pic>
-        <p:nvPicPr>
-          <p:cNvPr id="2" name="Google Shape;163;p15" descr="C:\Users\spanport\Desktop\Spanish.psycophy\images\red.png">
-            <a:extLst>
-              <a:ext uri="{FF2B5EF4-FFF2-40B4-BE49-F238E27FC236}">
-                <a16:creationId xmlns:a16="http://schemas.microsoft.com/office/drawing/2014/main" id="{B8894571-22AA-469A-B5ED-E8546FBB62C2}"/>
-              </a:ext>
-            </a:extLst>
-          </p:cNvPr>
-          <p:cNvPicPr preferRelativeResize="0"/>
-          <p:nvPr/>
-        </p:nvPicPr>
-        <p:blipFill rotWithShape="1">
-          <a:blip r:embed="rId2">
-            <a:alphaModFix/>
-          </a:blip>
-          <a:srcRect/>
-          <a:stretch/>
-        </p:blipFill>
-        <p:spPr>
-          <a:xfrm>
-            <a:off x="3714675" y="2571675"/>
-            <a:ext cx="1714649" cy="1714649"/>
-          </a:xfrm>
-          <a:prstGeom prst="rect">
-            <a:avLst/>
-          </a:prstGeom>
-          <a:noFill/>
-          <a:ln>
-            <a:noFill/>
-          </a:ln>
-        </p:spPr>
-      </p:pic>
-    </p:spTree>
-    <p:extLst>
-      <p:ext uri="{BB962C8B-B14F-4D97-AF65-F5344CB8AC3E}">
-        <p14:creationId xmlns:p14="http://schemas.microsoft.com/office/powerpoint/2010/main" val="952252987"/>
-      </p:ext>
-    </p:extLst>
-  </p:cSld>
-  <p:clrMapOvr>
-    <a:masterClrMapping/>
-  </p:clrMapOvr>
-</p:sld>
-</file>
-
-<file path=ppt/slides/slide28.xml><?xml version="1.0" encoding="utf-8"?>
-<p:sld xmlns:a="http://schemas.openxmlformats.org/drawingml/2006/main" xmlns:r="http://schemas.openxmlformats.org/officeDocument/2006/relationships" xmlns:p="http://schemas.openxmlformats.org/presentationml/2006/main">
-  <p:cSld>
-    <p:spTree>
-      <p:nvGrpSpPr>
-        <p:cNvPr id="1" name=""/>
-        <p:cNvGrpSpPr/>
-        <p:nvPr/>
-      </p:nvGrpSpPr>
-      <p:grpSpPr>
-        <a:xfrm>
-          <a:off x="0" y="0"/>
-          <a:ext cx="0" cy="0"/>
-          <a:chOff x="0" y="0"/>
-          <a:chExt cx="0" cy="0"/>
-        </a:xfrm>
-      </p:grpSpPr>
-      <p:sp>
-        <p:nvSpPr>
-          <p:cNvPr id="2" name="Title 1">
-            <a:extLst>
-              <a:ext uri="{FF2B5EF4-FFF2-40B4-BE49-F238E27FC236}">
-                <a16:creationId xmlns:a16="http://schemas.microsoft.com/office/drawing/2014/main" id="{B1F36B92-39AD-4131-8AC9-EAE4F870E768}"/>
-              </a:ext>
-            </a:extLst>
-          </p:cNvPr>
-          <p:cNvSpPr>
-            <a:spLocks noGrp="1"/>
-          </p:cNvSpPr>
-          <p:nvPr>
-            <p:ph type="ctrTitle"/>
-          </p:nvPr>
-        </p:nvSpPr>
-        <p:spPr/>
-        <p:txBody>
-          <a:bodyPr/>
-          <a:lstStyle/>
-          <a:p>
-            <a:r>
-              <a:rPr lang="he-IL" dirty="0"/>
-              <a:t> הַתְעוֹדוֹת</a:t>
-            </a:r>
-            <a:endParaRPr lang="en-US" dirty="0"/>
-          </a:p>
-        </p:txBody>
-      </p:sp>
-      <p:sp>
-        <p:nvSpPr>
-          <p:cNvPr id="3" name="Subtitle 2">
-            <a:extLst>
-              <a:ext uri="{FF2B5EF4-FFF2-40B4-BE49-F238E27FC236}">
-                <a16:creationId xmlns:a16="http://schemas.microsoft.com/office/drawing/2014/main" id="{EB3625AB-21D9-48BD-BC97-7D746FAFB9FE}"/>
-              </a:ext>
-            </a:extLst>
-          </p:cNvPr>
-          <p:cNvSpPr>
-            <a:spLocks noGrp="1"/>
-          </p:cNvSpPr>
-          <p:nvPr>
-            <p:ph type="subTitle" idx="1"/>
-          </p:nvPr>
-        </p:nvSpPr>
-        <p:spPr/>
-        <p:txBody>
-          <a:bodyPr/>
-          <a:lstStyle/>
-          <a:p>
-            <a:endParaRPr lang="en-US"/>
-          </a:p>
-        </p:txBody>
-      </p:sp>
-    </p:spTree>
-    <p:extLst>
-      <p:ext uri="{BB962C8B-B14F-4D97-AF65-F5344CB8AC3E}">
-        <p14:creationId xmlns:p14="http://schemas.microsoft.com/office/powerpoint/2010/main" val="3195606530"/>
-      </p:ext>
-    </p:extLst>
-  </p:cSld>
-  <p:clrMapOvr>
-    <a:masterClrMapping/>
-  </p:clrMapOvr>
-</p:sld>
-</file>
-
-<file path=ppt/slides/slide29.xml><?xml version="1.0" encoding="utf-8"?>
-<p:sld xmlns:a="http://schemas.openxmlformats.org/drawingml/2006/main" xmlns:r="http://schemas.openxmlformats.org/officeDocument/2006/relationships" xmlns:p="http://schemas.openxmlformats.org/presentationml/2006/main">
-  <p:cSld>
-    <p:spTree>
-      <p:nvGrpSpPr>
-        <p:cNvPr id="1" name=""/>
-        <p:cNvGrpSpPr/>
-        <p:nvPr/>
-      </p:nvGrpSpPr>
-      <p:grpSpPr>
-        <a:xfrm>
-          <a:off x="0" y="0"/>
-          <a:ext cx="0" cy="0"/>
-          <a:chOff x="0" y="0"/>
-          <a:chExt cx="0" cy="0"/>
-        </a:xfrm>
-      </p:grpSpPr>
-      <p:pic>
-        <p:nvPicPr>
-          <p:cNvPr id="2" name="Google Shape;185;p19" descr="C:\Users\spanport\Desktop\Spanish.psycophy\images\yellow.png"/>
-          <p:cNvPicPr preferRelativeResize="0"/>
-          <p:nvPr/>
-        </p:nvPicPr>
-        <p:blipFill rotWithShape="1">
-          <a:blip r:embed="rId2">
-            <a:alphaModFix/>
-          </a:blip>
-          <a:srcRect/>
-          <a:stretch/>
-        </p:blipFill>
-        <p:spPr>
-          <a:xfrm>
-            <a:off x="3714675" y="2571675"/>
-            <a:ext cx="1714649" cy="1714649"/>
-          </a:xfrm>
-          <a:prstGeom prst="rect">
-            <a:avLst/>
-          </a:prstGeom>
-          <a:noFill/>
-          <a:ln>
-            <a:noFill/>
-          </a:ln>
-        </p:spPr>
-      </p:pic>
-    </p:spTree>
-    <p:extLst>
-      <p:ext uri="{BB962C8B-B14F-4D97-AF65-F5344CB8AC3E}">
-        <p14:creationId xmlns:p14="http://schemas.microsoft.com/office/powerpoint/2010/main" val="4105087375"/>
-      </p:ext>
-    </p:extLst>
-  </p:cSld>
-  <p:clrMapOvr>
-    <a:masterClrMapping/>
-  </p:clrMapOvr>
-</p:sld>
-</file>
-
-<file path=ppt/slides/slide3.xml><?xml version="1.0" encoding="utf-8"?>
-<p:sld xmlns:a="http://schemas.openxmlformats.org/drawingml/2006/main" xmlns:r="http://schemas.openxmlformats.org/officeDocument/2006/relationships" xmlns:p="http://schemas.openxmlformats.org/presentationml/2006/main">
-  <p:cSld>
-    <p:spTree>
-      <p:nvGrpSpPr>
-        <p:cNvPr id="1" name=""/>
-        <p:cNvGrpSpPr/>
-        <p:nvPr/>
-      </p:nvGrpSpPr>
-      <p:grpSpPr>
-        <a:xfrm>
-          <a:off x="0" y="0"/>
-          <a:ext cx="0" cy="0"/>
-          <a:chOff x="0" y="0"/>
-          <a:chExt cx="0" cy="0"/>
-        </a:xfrm>
-      </p:grpSpPr>
-      <p:sp>
-        <p:nvSpPr>
-          <p:cNvPr id="2" name="Title 1"/>
-          <p:cNvSpPr>
-            <a:spLocks noGrp="1"/>
-          </p:cNvSpPr>
-          <p:nvPr>
-            <p:ph type="ctrTitle"/>
-          </p:nvPr>
-        </p:nvSpPr>
-        <p:spPr/>
-        <p:txBody>
-          <a:bodyPr/>
-          <a:lstStyle/>
-          <a:p>
-            <a:r>
-              <a:rPr lang="he-IL" dirty="0"/>
-              <a:t>אִישָה</a:t>
-            </a:r>
-            <a:endParaRPr lang="en-US" dirty="0"/>
-          </a:p>
-        </p:txBody>
-      </p:sp>
-      <p:sp>
-        <p:nvSpPr>
-          <p:cNvPr id="3" name="Subtitle 2"/>
-          <p:cNvSpPr>
-            <a:spLocks noGrp="1"/>
-          </p:cNvSpPr>
-          <p:nvPr>
-            <p:ph type="subTitle" idx="1"/>
-          </p:nvPr>
-        </p:nvSpPr>
-        <p:spPr/>
-        <p:txBody>
-          <a:bodyPr/>
-          <a:lstStyle/>
-          <a:p>
-            <a:endParaRPr lang="en-US" dirty="0"/>
-          </a:p>
-        </p:txBody>
-      </p:sp>
-    </p:spTree>
-    <p:extLst>
-      <p:ext uri="{BB962C8B-B14F-4D97-AF65-F5344CB8AC3E}">
-        <p14:creationId xmlns:p14="http://schemas.microsoft.com/office/powerpoint/2010/main" val="3678900629"/>
-      </p:ext>
-    </p:extLst>
-  </p:cSld>
-  <p:clrMapOvr>
-    <a:masterClrMapping/>
-  </p:clrMapOvr>
-</p:sld>
-</file>
-
-<file path=ppt/slides/slide30.xml><?xml version="1.0" encoding="utf-8"?>
-<p:sld xmlns:a="http://schemas.openxmlformats.org/drawingml/2006/main" xmlns:r="http://schemas.openxmlformats.org/officeDocument/2006/relationships" xmlns:p="http://schemas.openxmlformats.org/presentationml/2006/main">
-  <p:cSld>
-    <p:spTree>
-      <p:nvGrpSpPr>
-        <p:cNvPr id="1" name=""/>
-        <p:cNvGrpSpPr/>
-        <p:nvPr/>
-      </p:nvGrpSpPr>
-      <p:grpSpPr>
-        <a:xfrm>
-          <a:off x="0" y="0"/>
-          <a:ext cx="0" cy="0"/>
-          <a:chOff x="0" y="0"/>
-          <a:chExt cx="0" cy="0"/>
-        </a:xfrm>
-      </p:grpSpPr>
-      <p:sp>
-        <p:nvSpPr>
-          <p:cNvPr id="2" name="Title 1">
-            <a:extLst>
-              <a:ext uri="{FF2B5EF4-FFF2-40B4-BE49-F238E27FC236}">
-                <a16:creationId xmlns:a16="http://schemas.microsoft.com/office/drawing/2014/main" id="{111D5360-2E2F-47BB-9676-9F4C49D752D3}"/>
-              </a:ext>
-            </a:extLst>
-          </p:cNvPr>
-          <p:cNvSpPr>
-            <a:spLocks noGrp="1"/>
-          </p:cNvSpPr>
-          <p:nvPr>
-            <p:ph type="ctrTitle"/>
-          </p:nvPr>
-        </p:nvSpPr>
-        <p:spPr/>
-        <p:txBody>
-          <a:bodyPr/>
-          <a:lstStyle/>
-          <a:p>
-            <a:r>
-              <a:rPr lang="he-IL" dirty="0"/>
-              <a:t>הַסְרָטים</a:t>
-            </a:r>
-            <a:r>
-              <a:rPr lang="en-US" dirty="0"/>
-              <a:t>  </a:t>
-            </a:r>
-          </a:p>
-        </p:txBody>
-      </p:sp>
-      <p:sp>
-        <p:nvSpPr>
-          <p:cNvPr id="3" name="Subtitle 2">
-            <a:extLst>
-              <a:ext uri="{FF2B5EF4-FFF2-40B4-BE49-F238E27FC236}">
-                <a16:creationId xmlns:a16="http://schemas.microsoft.com/office/drawing/2014/main" id="{5853AB64-AECF-41DE-B32E-17D6D896B061}"/>
-              </a:ext>
-            </a:extLst>
-          </p:cNvPr>
-          <p:cNvSpPr>
-            <a:spLocks noGrp="1"/>
-          </p:cNvSpPr>
-          <p:nvPr>
-            <p:ph type="subTitle" idx="1"/>
-          </p:nvPr>
-        </p:nvSpPr>
-        <p:spPr/>
-        <p:txBody>
-          <a:bodyPr/>
-          <a:lstStyle/>
-          <a:p>
-            <a:endParaRPr lang="en-US"/>
-          </a:p>
-        </p:txBody>
-      </p:sp>
-    </p:spTree>
-    <p:extLst>
-      <p:ext uri="{BB962C8B-B14F-4D97-AF65-F5344CB8AC3E}">
-        <p14:creationId xmlns:p14="http://schemas.microsoft.com/office/powerpoint/2010/main" val="431706458"/>
-      </p:ext>
-    </p:extLst>
-  </p:cSld>
-  <p:clrMapOvr>
-    <a:masterClrMapping/>
-  </p:clrMapOvr>
-</p:sld>
-</file>
-
-<file path=ppt/slides/slide31.xml><?xml version="1.0" encoding="utf-8"?>
-<p:sld xmlns:a="http://schemas.openxmlformats.org/drawingml/2006/main" xmlns:r="http://schemas.openxmlformats.org/officeDocument/2006/relationships" xmlns:p="http://schemas.openxmlformats.org/presentationml/2006/main">
-  <p:cSld>
-    <p:spTree>
-      <p:nvGrpSpPr>
-        <p:cNvPr id="1" name="Shape 151"/>
-        <p:cNvGrpSpPr/>
-        <p:nvPr/>
-      </p:nvGrpSpPr>
-      <p:grpSpPr>
-        <a:xfrm>
-          <a:off x="0" y="0"/>
-          <a:ext cx="0" cy="0"/>
-          <a:chOff x="0" y="0"/>
-          <a:chExt cx="0" cy="0"/>
-        </a:xfrm>
-      </p:grpSpPr>
-      <p:pic>
-        <p:nvPicPr>
-          <p:cNvPr id="152" name="Google Shape;152;p13" descr="C:\Users\spanport\Desktop\Spanish.psycophy\images\black.png"/>
-          <p:cNvPicPr preferRelativeResize="0"/>
-          <p:nvPr/>
-        </p:nvPicPr>
-        <p:blipFill rotWithShape="1">
-          <a:blip r:embed="rId3">
-            <a:alphaModFix/>
-          </a:blip>
-          <a:srcRect/>
-          <a:stretch/>
-        </p:blipFill>
-        <p:spPr>
-          <a:xfrm>
-            <a:off x="3714675" y="2571675"/>
-            <a:ext cx="1714649" cy="1714649"/>
-          </a:xfrm>
-          <a:prstGeom prst="rect">
-            <a:avLst/>
-          </a:prstGeom>
-          <a:noFill/>
-          <a:ln>
-            <a:noFill/>
-          </a:ln>
-        </p:spPr>
-      </p:pic>
-    </p:spTree>
-  </p:cSld>
-  <p:clrMapOvr>
-    <a:masterClrMapping/>
-  </p:clrMapOvr>
-</p:sld>
-</file>
-
-<file path=ppt/slides/slide32.xml><?xml version="1.0" encoding="utf-8"?>
-<p:sld xmlns:a="http://schemas.openxmlformats.org/drawingml/2006/main" xmlns:r="http://schemas.openxmlformats.org/officeDocument/2006/relationships" xmlns:p="http://schemas.openxmlformats.org/presentationml/2006/main">
-  <p:cSld>
-    <p:spTree>
-      <p:nvGrpSpPr>
-        <p:cNvPr id="1" name=""/>
-        <p:cNvGrpSpPr/>
-        <p:nvPr/>
-      </p:nvGrpSpPr>
-      <p:grpSpPr>
-        <a:xfrm>
-          <a:off x="0" y="0"/>
-          <a:ext cx="0" cy="0"/>
-          <a:chOff x="0" y="0"/>
-          <a:chExt cx="0" cy="0"/>
-        </a:xfrm>
-      </p:grpSpPr>
-      <p:sp>
-        <p:nvSpPr>
-          <p:cNvPr id="2" name="Title 1">
-            <a:extLst>
-              <a:ext uri="{FF2B5EF4-FFF2-40B4-BE49-F238E27FC236}">
-                <a16:creationId xmlns:a16="http://schemas.microsoft.com/office/drawing/2014/main" id="{DAB6EB2E-1780-4D65-93DE-8776C244754C}"/>
-              </a:ext>
-            </a:extLst>
-          </p:cNvPr>
-          <p:cNvSpPr>
-            <a:spLocks noGrp="1"/>
-          </p:cNvSpPr>
-          <p:nvPr>
-            <p:ph type="ctrTitle"/>
-          </p:nvPr>
-        </p:nvSpPr>
-        <p:spPr/>
-        <p:txBody>
-          <a:bodyPr/>
-          <a:lstStyle/>
-          <a:p>
-            <a:r>
-              <a:rPr lang="he-IL" dirty="0"/>
-              <a:t>הַפְּסוּקִם </a:t>
-            </a:r>
-            <a:r>
-              <a:rPr lang="en-US" dirty="0"/>
-              <a:t> </a:t>
-            </a:r>
-          </a:p>
-        </p:txBody>
-      </p:sp>
-      <p:sp>
-        <p:nvSpPr>
-          <p:cNvPr id="3" name="Subtitle 2">
-            <a:extLst>
-              <a:ext uri="{FF2B5EF4-FFF2-40B4-BE49-F238E27FC236}">
-                <a16:creationId xmlns:a16="http://schemas.microsoft.com/office/drawing/2014/main" id="{FE8FFB9D-1742-4C39-8610-6FA691B1D997}"/>
-              </a:ext>
-            </a:extLst>
-          </p:cNvPr>
-          <p:cNvSpPr>
-            <a:spLocks noGrp="1"/>
-          </p:cNvSpPr>
-          <p:nvPr>
-            <p:ph type="subTitle" idx="1"/>
-          </p:nvPr>
-        </p:nvSpPr>
-        <p:spPr/>
-        <p:txBody>
-          <a:bodyPr/>
-          <a:lstStyle/>
-          <a:p>
-            <a:endParaRPr lang="en-US"/>
-          </a:p>
-        </p:txBody>
-      </p:sp>
-    </p:spTree>
-    <p:extLst>
-      <p:ext uri="{BB962C8B-B14F-4D97-AF65-F5344CB8AC3E}">
-        <p14:creationId xmlns:p14="http://schemas.microsoft.com/office/powerpoint/2010/main" val="4230698273"/>
-      </p:ext>
-    </p:extLst>
-  </p:cSld>
-  <p:clrMapOvr>
-    <a:masterClrMapping/>
-  </p:clrMapOvr>
-</p:sld>
-</file>
-
-<file path=ppt/slides/slide33.xml><?xml version="1.0" encoding="utf-8"?>
-<p:sld xmlns:a="http://schemas.openxmlformats.org/drawingml/2006/main" xmlns:r="http://schemas.openxmlformats.org/officeDocument/2006/relationships" xmlns:p="http://schemas.openxmlformats.org/presentationml/2006/main">
-  <p:cSld>
-    <p:spTree>
-      <p:nvGrpSpPr>
-        <p:cNvPr id="1" name="Shape 151"/>
-        <p:cNvGrpSpPr/>
-        <p:nvPr/>
-      </p:nvGrpSpPr>
-      <p:grpSpPr>
-        <a:xfrm>
-          <a:off x="0" y="0"/>
-          <a:ext cx="0" cy="0"/>
-          <a:chOff x="0" y="0"/>
-          <a:chExt cx="0" cy="0"/>
-        </a:xfrm>
-      </p:grpSpPr>
-      <p:pic>
-        <p:nvPicPr>
-          <p:cNvPr id="152" name="Google Shape;152;p13" descr="C:\Users\spanport\Desktop\Spanish.psycophy\images\black.png"/>
-          <p:cNvPicPr preferRelativeResize="0"/>
-          <p:nvPr/>
-        </p:nvPicPr>
-        <p:blipFill rotWithShape="1">
-          <a:blip r:embed="rId3">
-            <a:alphaModFix/>
-          </a:blip>
-          <a:srcRect/>
-          <a:stretch/>
-        </p:blipFill>
-        <p:spPr>
-          <a:xfrm>
-            <a:off x="3714675" y="2571675"/>
-            <a:ext cx="1714649" cy="1714649"/>
-          </a:xfrm>
-          <a:prstGeom prst="rect">
-            <a:avLst/>
-          </a:prstGeom>
-          <a:noFill/>
-          <a:ln>
-            <a:noFill/>
-          </a:ln>
-        </p:spPr>
-      </p:pic>
-    </p:spTree>
-  </p:cSld>
-  <p:clrMapOvr>
-    <a:masterClrMapping/>
-  </p:clrMapOvr>
-</p:sld>
-</file>
-
-<file path=ppt/slides/slide34.xml><?xml version="1.0" encoding="utf-8"?>
-<p:sld xmlns:a="http://schemas.openxmlformats.org/drawingml/2006/main" xmlns:r="http://schemas.openxmlformats.org/officeDocument/2006/relationships" xmlns:p="http://schemas.openxmlformats.org/presentationml/2006/main">
-  <p:cSld>
-    <p:spTree>
-      <p:nvGrpSpPr>
-        <p:cNvPr id="1" name=""/>
-        <p:cNvGrpSpPr/>
-        <p:nvPr/>
-      </p:nvGrpSpPr>
-      <p:grpSpPr>
-        <a:xfrm>
-          <a:off x="0" y="0"/>
-          <a:ext cx="0" cy="0"/>
-          <a:chOff x="0" y="0"/>
-          <a:chExt cx="0" cy="0"/>
-        </a:xfrm>
-      </p:grpSpPr>
-      <p:sp>
-        <p:nvSpPr>
-          <p:cNvPr id="2" name="Title 1">
-            <a:extLst>
-              <a:ext uri="{FF2B5EF4-FFF2-40B4-BE49-F238E27FC236}">
-                <a16:creationId xmlns:a16="http://schemas.microsoft.com/office/drawing/2014/main" id="{8CD5EB09-A584-4CF1-8105-4EBB8564B1CA}"/>
-              </a:ext>
-            </a:extLst>
-          </p:cNvPr>
-          <p:cNvSpPr>
-            <a:spLocks noGrp="1"/>
-          </p:cNvSpPr>
-          <p:nvPr>
-            <p:ph type="ctrTitle"/>
-          </p:nvPr>
-        </p:nvSpPr>
-        <p:spPr/>
-        <p:txBody>
-          <a:bodyPr/>
-          <a:lstStyle/>
-          <a:p>
-            <a:r>
-              <a:rPr lang="he-IL" dirty="0"/>
-              <a:t>הַדְלָתוֹת</a:t>
-            </a:r>
-            <a:r>
-              <a:rPr lang="en-US" dirty="0"/>
-              <a:t>  </a:t>
-            </a:r>
-          </a:p>
-        </p:txBody>
-      </p:sp>
-      <p:sp>
-        <p:nvSpPr>
-          <p:cNvPr id="3" name="Subtitle 2">
-            <a:extLst>
-              <a:ext uri="{FF2B5EF4-FFF2-40B4-BE49-F238E27FC236}">
-                <a16:creationId xmlns:a16="http://schemas.microsoft.com/office/drawing/2014/main" id="{3E705596-B217-429C-890E-FF070A567F8B}"/>
-              </a:ext>
-            </a:extLst>
-          </p:cNvPr>
-          <p:cNvSpPr>
-            <a:spLocks noGrp="1"/>
-          </p:cNvSpPr>
-          <p:nvPr>
-            <p:ph type="subTitle" idx="1"/>
-          </p:nvPr>
-        </p:nvSpPr>
-        <p:spPr/>
-        <p:txBody>
-          <a:bodyPr/>
-          <a:lstStyle/>
-          <a:p>
-            <a:endParaRPr lang="en-US"/>
-          </a:p>
-        </p:txBody>
-      </p:sp>
-    </p:spTree>
-    <p:extLst>
-      <p:ext uri="{BB962C8B-B14F-4D97-AF65-F5344CB8AC3E}">
-        <p14:creationId xmlns:p14="http://schemas.microsoft.com/office/powerpoint/2010/main" val="202837397"/>
-      </p:ext>
-    </p:extLst>
-  </p:cSld>
-  <p:clrMapOvr>
-    <a:masterClrMapping/>
-  </p:clrMapOvr>
-</p:sld>
-</file>
-
-<file path=ppt/slides/slide35.xml><?xml version="1.0" encoding="utf-8"?>
-<p:sld xmlns:a="http://schemas.openxmlformats.org/drawingml/2006/main" xmlns:r="http://schemas.openxmlformats.org/officeDocument/2006/relationships" xmlns:p="http://schemas.openxmlformats.org/presentationml/2006/main">
-  <p:cSld>
-    <p:spTree>
-      <p:nvGrpSpPr>
-        <p:cNvPr id="1" name="Shape 173"/>
-        <p:cNvGrpSpPr/>
-        <p:nvPr/>
-      </p:nvGrpSpPr>
-      <p:grpSpPr>
-        <a:xfrm>
-          <a:off x="0" y="0"/>
-          <a:ext cx="0" cy="0"/>
-          <a:chOff x="0" y="0"/>
-          <a:chExt cx="0" cy="0"/>
-        </a:xfrm>
-      </p:grpSpPr>
-      <p:pic>
-        <p:nvPicPr>
-          <p:cNvPr id="174" name="Google Shape;174;p17" descr="C:\Users\spanport\Desktop\Spanish.psycophy\images\white.png"/>
-          <p:cNvPicPr preferRelativeResize="0"/>
-          <p:nvPr/>
-        </p:nvPicPr>
-        <p:blipFill rotWithShape="1">
-          <a:blip r:embed="rId3">
-            <a:alphaModFix/>
-          </a:blip>
-          <a:srcRect/>
-          <a:stretch/>
-        </p:blipFill>
-        <p:spPr>
-          <a:xfrm>
-            <a:off x="3714675" y="2571675"/>
-            <a:ext cx="1714649" cy="1714649"/>
-          </a:xfrm>
-          <a:prstGeom prst="rect">
-            <a:avLst/>
-          </a:prstGeom>
-          <a:noFill/>
-          <a:ln>
-            <a:noFill/>
-          </a:ln>
-        </p:spPr>
-      </p:pic>
-    </p:spTree>
-  </p:cSld>
-  <p:clrMapOvr>
-    <a:masterClrMapping/>
-  </p:clrMapOvr>
-</p:sld>
-</file>
-
-<file path=ppt/slides/slide36.xml><?xml version="1.0" encoding="utf-8"?>
-<p:sld xmlns:a="http://schemas.openxmlformats.org/drawingml/2006/main" xmlns:r="http://schemas.openxmlformats.org/officeDocument/2006/relationships" xmlns:p="http://schemas.openxmlformats.org/presentationml/2006/main">
-  <p:cSld>
-    <p:spTree>
-      <p:nvGrpSpPr>
-        <p:cNvPr id="1" name=""/>
-        <p:cNvGrpSpPr/>
-        <p:nvPr/>
-      </p:nvGrpSpPr>
-      <p:grpSpPr>
-        <a:xfrm>
-          <a:off x="0" y="0"/>
-          <a:ext cx="0" cy="0"/>
-          <a:chOff x="0" y="0"/>
-          <a:chExt cx="0" cy="0"/>
-        </a:xfrm>
-      </p:grpSpPr>
-      <p:sp>
-        <p:nvSpPr>
-          <p:cNvPr id="2" name="Title 1">
-            <a:extLst>
-              <a:ext uri="{FF2B5EF4-FFF2-40B4-BE49-F238E27FC236}">
-                <a16:creationId xmlns:a16="http://schemas.microsoft.com/office/drawing/2014/main" id="{2C89DB45-8EF3-4BB2-A0EB-A5DA42D0772B}"/>
-              </a:ext>
-            </a:extLst>
-          </p:cNvPr>
-          <p:cNvSpPr>
-            <a:spLocks noGrp="1"/>
-          </p:cNvSpPr>
-          <p:nvPr>
-            <p:ph type="ctrTitle"/>
-          </p:nvPr>
-        </p:nvSpPr>
-        <p:spPr/>
-        <p:txBody>
-          <a:bodyPr/>
-          <a:lstStyle/>
-          <a:p>
-            <a:r>
-              <a:rPr lang="he-IL" dirty="0"/>
-              <a:t>הַשְטִיכִים </a:t>
-            </a:r>
-            <a:r>
-              <a:rPr lang="en-US" dirty="0"/>
-              <a:t>   </a:t>
-            </a:r>
-          </a:p>
-        </p:txBody>
-      </p:sp>
-      <p:sp>
-        <p:nvSpPr>
-          <p:cNvPr id="3" name="Subtitle 2">
-            <a:extLst>
-              <a:ext uri="{FF2B5EF4-FFF2-40B4-BE49-F238E27FC236}">
-                <a16:creationId xmlns:a16="http://schemas.microsoft.com/office/drawing/2014/main" id="{CA66BD53-FBED-4963-B990-69E368D7C9D5}"/>
-              </a:ext>
-            </a:extLst>
-          </p:cNvPr>
-          <p:cNvSpPr>
-            <a:spLocks noGrp="1"/>
-          </p:cNvSpPr>
-          <p:nvPr>
-            <p:ph type="subTitle" idx="1"/>
-          </p:nvPr>
-        </p:nvSpPr>
-        <p:spPr/>
-        <p:txBody>
-          <a:bodyPr/>
-          <a:lstStyle/>
-          <a:p>
-            <a:endParaRPr lang="en-US"/>
-          </a:p>
-        </p:txBody>
-      </p:sp>
-    </p:spTree>
-    <p:extLst>
-      <p:ext uri="{BB962C8B-B14F-4D97-AF65-F5344CB8AC3E}">
-        <p14:creationId xmlns:p14="http://schemas.microsoft.com/office/powerpoint/2010/main" val="1733831467"/>
-      </p:ext>
-    </p:extLst>
-  </p:cSld>
-  <p:clrMapOvr>
-    <a:masterClrMapping/>
-  </p:clrMapOvr>
-</p:sld>
-</file>
-
-<file path=ppt/slides/slide37.xml><?xml version="1.0" encoding="utf-8"?>
-<p:sld xmlns:a="http://schemas.openxmlformats.org/drawingml/2006/main" xmlns:r="http://schemas.openxmlformats.org/officeDocument/2006/relationships" xmlns:p="http://schemas.openxmlformats.org/presentationml/2006/main">
-  <p:cSld>
-    <p:spTree>
-      <p:nvGrpSpPr>
-        <p:cNvPr id="1" name="Shape 173"/>
-        <p:cNvGrpSpPr/>
-        <p:nvPr/>
-      </p:nvGrpSpPr>
-      <p:grpSpPr>
-        <a:xfrm>
-          <a:off x="0" y="0"/>
-          <a:ext cx="0" cy="0"/>
-          <a:chOff x="0" y="0"/>
-          <a:chExt cx="0" cy="0"/>
-        </a:xfrm>
-      </p:grpSpPr>
-      <p:pic>
-        <p:nvPicPr>
-          <p:cNvPr id="174" name="Google Shape;174;p17" descr="C:\Users\spanport\Desktop\Spanish.psycophy\images\white.png"/>
-          <p:cNvPicPr preferRelativeResize="0"/>
-          <p:nvPr/>
-        </p:nvPicPr>
-        <p:blipFill rotWithShape="1">
-          <a:blip r:embed="rId3">
-            <a:alphaModFix/>
-          </a:blip>
-          <a:srcRect/>
-          <a:stretch/>
-        </p:blipFill>
-        <p:spPr>
-          <a:xfrm>
-            <a:off x="3714675" y="2571675"/>
-            <a:ext cx="1714649" cy="1714649"/>
-          </a:xfrm>
-          <a:prstGeom prst="rect">
-            <a:avLst/>
-          </a:prstGeom>
-          <a:noFill/>
-          <a:ln>
-            <a:noFill/>
-          </a:ln>
-        </p:spPr>
-      </p:pic>
-    </p:spTree>
-    <p:extLst>
-      <p:ext uri="{BB962C8B-B14F-4D97-AF65-F5344CB8AC3E}">
-        <p14:creationId xmlns:p14="http://schemas.microsoft.com/office/powerpoint/2010/main" val="1845628876"/>
-      </p:ext>
-    </p:extLst>
-  </p:cSld>
-  <p:clrMapOvr>
-    <a:masterClrMapping/>
-  </p:clrMapOvr>
-</p:sld>
-</file>
-
-<file path=ppt/slides/slide38.xml><?xml version="1.0" encoding="utf-8"?>
-<p:sld xmlns:a="http://schemas.openxmlformats.org/drawingml/2006/main" xmlns:r="http://schemas.openxmlformats.org/officeDocument/2006/relationships" xmlns:p="http://schemas.openxmlformats.org/presentationml/2006/main">
-  <p:cSld>
-    <p:spTree>
-      <p:nvGrpSpPr>
-        <p:cNvPr id="1" name=""/>
-        <p:cNvGrpSpPr/>
-        <p:nvPr/>
-      </p:nvGrpSpPr>
-      <p:grpSpPr>
-        <a:xfrm>
-          <a:off x="0" y="0"/>
-          <a:ext cx="0" cy="0"/>
-          <a:chOff x="0" y="0"/>
-          <a:chExt cx="0" cy="0"/>
-        </a:xfrm>
-      </p:grpSpPr>
-      <p:sp>
-        <p:nvSpPr>
-          <p:cNvPr id="2" name="Title 1">
-            <a:extLst>
-              <a:ext uri="{FF2B5EF4-FFF2-40B4-BE49-F238E27FC236}">
-                <a16:creationId xmlns:a16="http://schemas.microsoft.com/office/drawing/2014/main" id="{C0F3ADD5-A7B2-4473-82E6-61FFF4239466}"/>
-              </a:ext>
-            </a:extLst>
-          </p:cNvPr>
-          <p:cNvSpPr>
-            <a:spLocks noGrp="1"/>
-          </p:cNvSpPr>
-          <p:nvPr>
-            <p:ph type="ctrTitle"/>
-          </p:nvPr>
-        </p:nvSpPr>
-        <p:spPr/>
-        <p:txBody>
-          <a:bodyPr/>
-          <a:lstStyle/>
-          <a:p>
-            <a:r>
-              <a:rPr lang="he-IL" dirty="0"/>
-              <a:t>הַַמַתָנוֹת </a:t>
-            </a:r>
-            <a:r>
-              <a:rPr lang="en-US" dirty="0"/>
-              <a:t>   </a:t>
-            </a:r>
-          </a:p>
-        </p:txBody>
-      </p:sp>
-      <p:sp>
-        <p:nvSpPr>
-          <p:cNvPr id="3" name="Subtitle 2">
-            <a:extLst>
-              <a:ext uri="{FF2B5EF4-FFF2-40B4-BE49-F238E27FC236}">
-                <a16:creationId xmlns:a16="http://schemas.microsoft.com/office/drawing/2014/main" id="{29584724-4E07-49DC-9646-02635F96B3EE}"/>
-              </a:ext>
-            </a:extLst>
-          </p:cNvPr>
-          <p:cNvSpPr>
-            <a:spLocks noGrp="1"/>
-          </p:cNvSpPr>
-          <p:nvPr>
-            <p:ph type="subTitle" idx="1"/>
-          </p:nvPr>
-        </p:nvSpPr>
-        <p:spPr/>
-        <p:txBody>
-          <a:bodyPr/>
-          <a:lstStyle/>
-          <a:p>
-            <a:endParaRPr lang="en-US"/>
-          </a:p>
-        </p:txBody>
-      </p:sp>
-    </p:spTree>
-    <p:extLst>
-      <p:ext uri="{BB962C8B-B14F-4D97-AF65-F5344CB8AC3E}">
-        <p14:creationId xmlns:p14="http://schemas.microsoft.com/office/powerpoint/2010/main" val="3136653531"/>
-      </p:ext>
-    </p:extLst>
-  </p:cSld>
-  <p:clrMapOvr>
-    <a:masterClrMapping/>
-  </p:clrMapOvr>
-</p:sld>
-</file>
-
-<file path=ppt/slides/slide39.xml><?xml version="1.0" encoding="utf-8"?>
-<p:sld xmlns:a="http://schemas.openxmlformats.org/drawingml/2006/main" xmlns:r="http://schemas.openxmlformats.org/officeDocument/2006/relationships" xmlns:p="http://schemas.openxmlformats.org/presentationml/2006/main">
-  <p:cSld>
-    <p:spTree>
-      <p:nvGrpSpPr>
-        <p:cNvPr id="1" name=""/>
-        <p:cNvGrpSpPr/>
-        <p:nvPr/>
-      </p:nvGrpSpPr>
-      <p:grpSpPr>
-        <a:xfrm>
-          <a:off x="0" y="0"/>
-          <a:ext cx="0" cy="0"/>
-          <a:chOff x="0" y="0"/>
-          <a:chExt cx="0" cy="0"/>
-        </a:xfrm>
-      </p:grpSpPr>
-      <p:pic>
-        <p:nvPicPr>
-          <p:cNvPr id="2" name="Google Shape;185;p19" descr="C:\Users\spanport\Desktop\Spanish.psycophy\images\yellow.png"/>
-          <p:cNvPicPr preferRelativeResize="0"/>
-          <p:nvPr/>
-        </p:nvPicPr>
-        <p:blipFill rotWithShape="1">
-          <a:blip r:embed="rId2">
-            <a:alphaModFix/>
-          </a:blip>
-          <a:srcRect/>
-          <a:stretch/>
-        </p:blipFill>
-        <p:spPr>
-          <a:xfrm>
-            <a:off x="3714675" y="2571675"/>
-            <a:ext cx="1714649" cy="1714649"/>
-          </a:xfrm>
-          <a:prstGeom prst="rect">
-            <a:avLst/>
-          </a:prstGeom>
-          <a:noFill/>
-          <a:ln>
-            <a:noFill/>
-          </a:ln>
-        </p:spPr>
-      </p:pic>
-    </p:spTree>
-    <p:extLst>
-      <p:ext uri="{BB962C8B-B14F-4D97-AF65-F5344CB8AC3E}">
-        <p14:creationId xmlns:p14="http://schemas.microsoft.com/office/powerpoint/2010/main" val="2047753769"/>
-      </p:ext>
-    </p:extLst>
-  </p:cSld>
-  <p:clrMapOvr>
-    <a:masterClrMapping/>
-  </p:clrMapOvr>
-</p:sld>
-</file>
-
-<file path=ppt/slides/slide4.xml><?xml version="1.0" encoding="utf-8"?>
-<p:sld xmlns:a="http://schemas.openxmlformats.org/drawingml/2006/main" xmlns:r="http://schemas.openxmlformats.org/officeDocument/2006/relationships" xmlns:p="http://schemas.openxmlformats.org/presentationml/2006/main">
-  <p:cSld>
-    <p:spTree>
-      <p:nvGrpSpPr>
-        <p:cNvPr id="1" name="Shape 123"/>
-        <p:cNvGrpSpPr/>
-        <p:nvPr/>
-      </p:nvGrpSpPr>
-      <p:grpSpPr>
-        <a:xfrm>
-          <a:off x="0" y="0"/>
-          <a:ext cx="0" cy="0"/>
-          <a:chOff x="0" y="0"/>
-          <a:chExt cx="0" cy="0"/>
-        </a:xfrm>
-      </p:grpSpPr>
-      <p:pic>
-        <p:nvPicPr>
-          <p:cNvPr id="124" name="Google Shape;124;p8" descr="C:\Users\spanport\Desktop\Spanish.psycophy\images\verde.png"/>
-          <p:cNvPicPr preferRelativeResize="0"/>
-          <p:nvPr/>
-        </p:nvPicPr>
-        <p:blipFill rotWithShape="1">
-          <a:blip r:embed="rId3">
-            <a:alphaModFix/>
-          </a:blip>
-          <a:srcRect/>
-          <a:stretch/>
-        </p:blipFill>
-        <p:spPr>
-          <a:xfrm>
-            <a:off x="3524159" y="2731709"/>
-            <a:ext cx="2095682" cy="1394581"/>
-          </a:xfrm>
-          <a:prstGeom prst="rect">
-            <a:avLst/>
-          </a:prstGeom>
-          <a:noFill/>
-          <a:ln>
-            <a:noFill/>
-          </a:ln>
-        </p:spPr>
-      </p:pic>
-    </p:spTree>
-  </p:cSld>
-  <p:clrMapOvr>
-    <a:masterClrMapping/>
-  </p:clrMapOvr>
-</p:sld>
-</file>
-
-<file path=ppt/slides/slide40.xml><?xml version="1.0" encoding="utf-8"?>
-<p:sld xmlns:a="http://schemas.openxmlformats.org/drawingml/2006/main" xmlns:r="http://schemas.openxmlformats.org/officeDocument/2006/relationships" xmlns:p="http://schemas.openxmlformats.org/presentationml/2006/main">
-  <p:cSld>
-    <p:spTree>
-      <p:nvGrpSpPr>
-        <p:cNvPr id="1" name=""/>
-        <p:cNvGrpSpPr/>
-        <p:nvPr/>
-      </p:nvGrpSpPr>
-      <p:grpSpPr>
-        <a:xfrm>
-          <a:off x="0" y="0"/>
-          <a:ext cx="0" cy="0"/>
-          <a:chOff x="0" y="0"/>
-          <a:chExt cx="0" cy="0"/>
-        </a:xfrm>
-      </p:grpSpPr>
-      <p:sp>
-        <p:nvSpPr>
-          <p:cNvPr id="2" name="Title 1">
-            <a:extLst>
-              <a:ext uri="{FF2B5EF4-FFF2-40B4-BE49-F238E27FC236}">
-                <a16:creationId xmlns:a16="http://schemas.microsoft.com/office/drawing/2014/main" id="{0349BAD8-E2E9-4096-A6EF-8AB532C105D6}"/>
-              </a:ext>
-            </a:extLst>
-          </p:cNvPr>
-          <p:cNvSpPr>
-            <a:spLocks noGrp="1"/>
-          </p:cNvSpPr>
-          <p:nvPr>
-            <p:ph type="ctrTitle"/>
-          </p:nvPr>
-        </p:nvSpPr>
-        <p:spPr/>
-        <p:txBody>
-          <a:bodyPr/>
-          <a:lstStyle/>
-          <a:p>
-            <a:r>
-              <a:rPr lang="he-IL" dirty="0"/>
-              <a:t> הַַמֵאוֹת </a:t>
-            </a:r>
-            <a:endParaRPr lang="en-US" dirty="0"/>
-          </a:p>
-        </p:txBody>
-      </p:sp>
-      <p:sp>
-        <p:nvSpPr>
-          <p:cNvPr id="3" name="Subtitle 2">
-            <a:extLst>
-              <a:ext uri="{FF2B5EF4-FFF2-40B4-BE49-F238E27FC236}">
-                <a16:creationId xmlns:a16="http://schemas.microsoft.com/office/drawing/2014/main" id="{2DC71B3A-2261-4721-AE12-801EDA596E28}"/>
-              </a:ext>
-            </a:extLst>
-          </p:cNvPr>
-          <p:cNvSpPr>
-            <a:spLocks noGrp="1"/>
-          </p:cNvSpPr>
-          <p:nvPr>
-            <p:ph type="subTitle" idx="1"/>
-          </p:nvPr>
-        </p:nvSpPr>
-        <p:spPr/>
-        <p:txBody>
-          <a:bodyPr/>
-          <a:lstStyle/>
-          <a:p>
-            <a:endParaRPr lang="en-US"/>
-          </a:p>
-        </p:txBody>
-      </p:sp>
-    </p:spTree>
-    <p:extLst>
-      <p:ext uri="{BB962C8B-B14F-4D97-AF65-F5344CB8AC3E}">
-        <p14:creationId xmlns:p14="http://schemas.microsoft.com/office/powerpoint/2010/main" val="2485066414"/>
-      </p:ext>
-    </p:extLst>
-  </p:cSld>
-  <p:clrMapOvr>
-    <a:masterClrMapping/>
-  </p:clrMapOvr>
-</p:sld>
-</file>
-
-<file path=ppt/slides/slide41.xml><?xml version="1.0" encoding="utf-8"?>
-<p:sld xmlns:a="http://schemas.openxmlformats.org/drawingml/2006/main" xmlns:r="http://schemas.openxmlformats.org/officeDocument/2006/relationships" xmlns:p="http://schemas.openxmlformats.org/presentationml/2006/main">
-  <p:cSld>
-    <p:spTree>
-      <p:nvGrpSpPr>
-        <p:cNvPr id="1" name="Shape 151"/>
-        <p:cNvGrpSpPr/>
-        <p:nvPr/>
-      </p:nvGrpSpPr>
-      <p:grpSpPr>
-        <a:xfrm>
-          <a:off x="0" y="0"/>
-          <a:ext cx="0" cy="0"/>
-          <a:chOff x="0" y="0"/>
-          <a:chExt cx="0" cy="0"/>
-        </a:xfrm>
-      </p:grpSpPr>
-      <p:pic>
-        <p:nvPicPr>
-          <p:cNvPr id="152" name="Google Shape;152;p13" descr="C:\Users\spanport\Desktop\Spanish.psycophy\images\black.png"/>
-          <p:cNvPicPr preferRelativeResize="0"/>
-          <p:nvPr/>
-        </p:nvPicPr>
-        <p:blipFill rotWithShape="1">
-          <a:blip r:embed="rId3">
-            <a:alphaModFix/>
-          </a:blip>
-          <a:srcRect/>
-          <a:stretch/>
-        </p:blipFill>
-        <p:spPr>
-          <a:xfrm>
-            <a:off x="3714675" y="2571675"/>
-            <a:ext cx="1714649" cy="1714649"/>
-          </a:xfrm>
-          <a:prstGeom prst="rect">
-            <a:avLst/>
-          </a:prstGeom>
-          <a:noFill/>
-          <a:ln>
-            <a:noFill/>
-          </a:ln>
-        </p:spPr>
-      </p:pic>
-    </p:spTree>
-    <p:extLst>
-      <p:ext uri="{BB962C8B-B14F-4D97-AF65-F5344CB8AC3E}">
-        <p14:creationId xmlns:p14="http://schemas.microsoft.com/office/powerpoint/2010/main" val="3467111972"/>
-      </p:ext>
-    </p:extLst>
-  </p:cSld>
-  <p:clrMapOvr>
-    <a:masterClrMapping/>
-  </p:clrMapOvr>
-</p:sld>
-</file>
-
-<file path=ppt/slides/slide42.xml><?xml version="1.0" encoding="utf-8"?>
-<p:sld xmlns:a="http://schemas.openxmlformats.org/drawingml/2006/main" xmlns:r="http://schemas.openxmlformats.org/officeDocument/2006/relationships" xmlns:p="http://schemas.openxmlformats.org/presentationml/2006/main">
-  <p:cSld>
-    <p:spTree>
-      <p:nvGrpSpPr>
-        <p:cNvPr id="1" name=""/>
-        <p:cNvGrpSpPr/>
-        <p:nvPr/>
-      </p:nvGrpSpPr>
-      <p:grpSpPr>
-        <a:xfrm>
-          <a:off x="0" y="0"/>
-          <a:ext cx="0" cy="0"/>
-          <a:chOff x="0" y="0"/>
-          <a:chExt cx="0" cy="0"/>
-        </a:xfrm>
-      </p:grpSpPr>
-      <p:sp>
-        <p:nvSpPr>
-          <p:cNvPr id="2" name="Title 1">
-            <a:extLst>
-              <a:ext uri="{FF2B5EF4-FFF2-40B4-BE49-F238E27FC236}">
-                <a16:creationId xmlns:a16="http://schemas.microsoft.com/office/drawing/2014/main" id="{96054C3B-9F68-4501-A6B0-9859FB2BD678}"/>
-              </a:ext>
-            </a:extLst>
-          </p:cNvPr>
-          <p:cNvSpPr>
-            <a:spLocks noGrp="1"/>
-          </p:cNvSpPr>
-          <p:nvPr>
-            <p:ph type="ctrTitle"/>
-          </p:nvPr>
-        </p:nvSpPr>
-        <p:spPr/>
-        <p:txBody>
-          <a:bodyPr/>
-          <a:lstStyle/>
-          <a:p>
-            <a:r>
-              <a:rPr lang="he-IL" dirty="0"/>
-              <a:t>הַַיָמים</a:t>
-            </a:r>
-            <a:endParaRPr lang="en-US" dirty="0"/>
-          </a:p>
-        </p:txBody>
-      </p:sp>
-      <p:sp>
-        <p:nvSpPr>
-          <p:cNvPr id="3" name="Subtitle 2">
-            <a:extLst>
-              <a:ext uri="{FF2B5EF4-FFF2-40B4-BE49-F238E27FC236}">
-                <a16:creationId xmlns:a16="http://schemas.microsoft.com/office/drawing/2014/main" id="{E43A1F76-AC54-481C-BE4C-0A50285DA200}"/>
-              </a:ext>
-            </a:extLst>
-          </p:cNvPr>
-          <p:cNvSpPr>
-            <a:spLocks noGrp="1"/>
-          </p:cNvSpPr>
-          <p:nvPr>
-            <p:ph type="subTitle" idx="1"/>
-          </p:nvPr>
-        </p:nvSpPr>
-        <p:spPr/>
-        <p:txBody>
-          <a:bodyPr/>
-          <a:lstStyle/>
-          <a:p>
-            <a:endParaRPr lang="en-US"/>
-          </a:p>
-        </p:txBody>
-      </p:sp>
-    </p:spTree>
-    <p:extLst>
-      <p:ext uri="{BB962C8B-B14F-4D97-AF65-F5344CB8AC3E}">
-        <p14:creationId xmlns:p14="http://schemas.microsoft.com/office/powerpoint/2010/main" val="3095109275"/>
-      </p:ext>
-    </p:extLst>
-  </p:cSld>
-  <p:clrMapOvr>
-    <a:masterClrMapping/>
-  </p:clrMapOvr>
-</p:sld>
-</file>
-
-<file path=ppt/slides/slide43.xml><?xml version="1.0" encoding="utf-8"?>
-<p:sld xmlns:a="http://schemas.openxmlformats.org/drawingml/2006/main" xmlns:r="http://schemas.openxmlformats.org/officeDocument/2006/relationships" xmlns:p="http://schemas.openxmlformats.org/presentationml/2006/main">
-  <p:cSld>
-    <p:spTree>
-      <p:nvGrpSpPr>
-        <p:cNvPr id="1" name="Shape 151"/>
-        <p:cNvGrpSpPr/>
-        <p:nvPr/>
-      </p:nvGrpSpPr>
-      <p:grpSpPr>
-        <a:xfrm>
-          <a:off x="0" y="0"/>
-          <a:ext cx="0" cy="0"/>
-          <a:chOff x="0" y="0"/>
-          <a:chExt cx="0" cy="0"/>
-        </a:xfrm>
-      </p:grpSpPr>
-      <p:pic>
-        <p:nvPicPr>
-          <p:cNvPr id="152" name="Google Shape;152;p13" descr="C:\Users\spanport\Desktop\Spanish.psycophy\images\black.png"/>
-          <p:cNvPicPr preferRelativeResize="0"/>
-          <p:nvPr/>
-        </p:nvPicPr>
-        <p:blipFill rotWithShape="1">
-          <a:blip r:embed="rId3">
-            <a:alphaModFix/>
-          </a:blip>
-          <a:srcRect/>
-          <a:stretch/>
-        </p:blipFill>
-        <p:spPr>
-          <a:xfrm>
-            <a:off x="3714675" y="2571675"/>
-            <a:ext cx="1714649" cy="1714649"/>
-          </a:xfrm>
-          <a:prstGeom prst="rect">
-            <a:avLst/>
-          </a:prstGeom>
-          <a:noFill/>
-          <a:ln>
-            <a:noFill/>
-          </a:ln>
-        </p:spPr>
-      </p:pic>
-    </p:spTree>
-    <p:extLst>
-      <p:ext uri="{BB962C8B-B14F-4D97-AF65-F5344CB8AC3E}">
-        <p14:creationId xmlns:p14="http://schemas.microsoft.com/office/powerpoint/2010/main" val="325578519"/>
-      </p:ext>
-    </p:extLst>
-  </p:cSld>
-  <p:clrMapOvr>
-    <a:masterClrMapping/>
-  </p:clrMapOvr>
-</p:sld>
-</file>
-
-<file path=ppt/slides/slide44.xml><?xml version="1.0" encoding="utf-8"?>
-<p:sld xmlns:a="http://schemas.openxmlformats.org/drawingml/2006/main" xmlns:r="http://schemas.openxmlformats.org/officeDocument/2006/relationships" xmlns:p="http://schemas.openxmlformats.org/presentationml/2006/main">
-  <p:cSld>
-    <p:spTree>
-      <p:nvGrpSpPr>
-        <p:cNvPr id="1" name=""/>
-        <p:cNvGrpSpPr/>
-        <p:nvPr/>
-      </p:nvGrpSpPr>
-      <p:grpSpPr>
-        <a:xfrm>
-          <a:off x="0" y="0"/>
-          <a:ext cx="0" cy="0"/>
-          <a:chOff x="0" y="0"/>
-          <a:chExt cx="0" cy="0"/>
-        </a:xfrm>
-      </p:grpSpPr>
-      <p:sp>
-        <p:nvSpPr>
-          <p:cNvPr id="2" name="Title 1">
-            <a:extLst>
-              <a:ext uri="{FF2B5EF4-FFF2-40B4-BE49-F238E27FC236}">
-                <a16:creationId xmlns:a16="http://schemas.microsoft.com/office/drawing/2014/main" id="{ACFEC7FD-7C9D-475A-9FE6-32F489256719}"/>
-              </a:ext>
-            </a:extLst>
-          </p:cNvPr>
-          <p:cNvSpPr>
-            <a:spLocks noGrp="1"/>
-          </p:cNvSpPr>
-          <p:nvPr>
-            <p:ph type="ctrTitle"/>
-          </p:nvPr>
-        </p:nvSpPr>
-        <p:spPr/>
-        <p:txBody>
-          <a:bodyPr/>
-          <a:lstStyle/>
-          <a:p>
-            <a:r>
-              <a:rPr lang="he-IL" dirty="0"/>
-              <a:t> הַַתוֹכְנִיוֹת</a:t>
-            </a:r>
-            <a:endParaRPr lang="en-US" dirty="0"/>
-          </a:p>
-        </p:txBody>
-      </p:sp>
-      <p:sp>
-        <p:nvSpPr>
-          <p:cNvPr id="3" name="Subtitle 2">
-            <a:extLst>
-              <a:ext uri="{FF2B5EF4-FFF2-40B4-BE49-F238E27FC236}">
-                <a16:creationId xmlns:a16="http://schemas.microsoft.com/office/drawing/2014/main" id="{CE8EC70C-BBEF-4102-8162-216822D0566A}"/>
-              </a:ext>
-            </a:extLst>
-          </p:cNvPr>
-          <p:cNvSpPr>
-            <a:spLocks noGrp="1"/>
-          </p:cNvSpPr>
-          <p:nvPr>
-            <p:ph type="subTitle" idx="1"/>
-          </p:nvPr>
-        </p:nvSpPr>
-        <p:spPr/>
-        <p:txBody>
-          <a:bodyPr/>
-          <a:lstStyle/>
-          <a:p>
-            <a:endParaRPr lang="en-US"/>
-          </a:p>
-        </p:txBody>
-      </p:sp>
-    </p:spTree>
-    <p:extLst>
-      <p:ext uri="{BB962C8B-B14F-4D97-AF65-F5344CB8AC3E}">
-        <p14:creationId xmlns:p14="http://schemas.microsoft.com/office/powerpoint/2010/main" val="3841157343"/>
-      </p:ext>
-    </p:extLst>
-  </p:cSld>
-  <p:clrMapOvr>
-    <a:masterClrMapping/>
-  </p:clrMapOvr>
-</p:sld>
-</file>
-
-<file path=ppt/slides/slide45.xml><?xml version="1.0" encoding="utf-8"?>
-<p:sld xmlns:a="http://schemas.openxmlformats.org/drawingml/2006/main" xmlns:r="http://schemas.openxmlformats.org/officeDocument/2006/relationships" xmlns:p="http://schemas.openxmlformats.org/presentationml/2006/main">
-  <p:cSld>
-    <p:spTree>
-      <p:nvGrpSpPr>
-        <p:cNvPr id="1" name="Shape 173"/>
-        <p:cNvGrpSpPr/>
-        <p:nvPr/>
-      </p:nvGrpSpPr>
-      <p:grpSpPr>
-        <a:xfrm>
-          <a:off x="0" y="0"/>
-          <a:ext cx="0" cy="0"/>
-          <a:chOff x="0" y="0"/>
-          <a:chExt cx="0" cy="0"/>
-        </a:xfrm>
-      </p:grpSpPr>
-      <p:pic>
-        <p:nvPicPr>
-          <p:cNvPr id="174" name="Google Shape;174;p17" descr="C:\Users\spanport\Desktop\Spanish.psycophy\images\white.png"/>
-          <p:cNvPicPr preferRelativeResize="0"/>
-          <p:nvPr/>
-        </p:nvPicPr>
-        <p:blipFill rotWithShape="1">
-          <a:blip r:embed="rId3">
-            <a:alphaModFix/>
-          </a:blip>
-          <a:srcRect/>
-          <a:stretch/>
-        </p:blipFill>
-        <p:spPr>
-          <a:xfrm>
-            <a:off x="3714675" y="2571675"/>
-            <a:ext cx="1714649" cy="1714649"/>
-          </a:xfrm>
-          <a:prstGeom prst="rect">
-            <a:avLst/>
-          </a:prstGeom>
-          <a:noFill/>
-          <a:ln>
-            <a:noFill/>
-          </a:ln>
-        </p:spPr>
-      </p:pic>
-    </p:spTree>
-    <p:extLst>
-      <p:ext uri="{BB962C8B-B14F-4D97-AF65-F5344CB8AC3E}">
-        <p14:creationId xmlns:p14="http://schemas.microsoft.com/office/powerpoint/2010/main" val="1234132332"/>
-      </p:ext>
-    </p:extLst>
-  </p:cSld>
-  <p:clrMapOvr>
-    <a:masterClrMapping/>
-  </p:clrMapOvr>
-</p:sld>
-</file>
-
-<file path=ppt/slides/slide46.xml><?xml version="1.0" encoding="utf-8"?>
-<p:sld xmlns:a="http://schemas.openxmlformats.org/drawingml/2006/main" xmlns:r="http://schemas.openxmlformats.org/officeDocument/2006/relationships" xmlns:p="http://schemas.openxmlformats.org/presentationml/2006/main">
-  <p:cSld>
-    <p:spTree>
-      <p:nvGrpSpPr>
-        <p:cNvPr id="1" name=""/>
-        <p:cNvGrpSpPr/>
-        <p:nvPr/>
-      </p:nvGrpSpPr>
-      <p:grpSpPr>
-        <a:xfrm>
-          <a:off x="0" y="0"/>
-          <a:ext cx="0" cy="0"/>
-          <a:chOff x="0" y="0"/>
-          <a:chExt cx="0" cy="0"/>
-        </a:xfrm>
-      </p:grpSpPr>
-      <p:sp>
-        <p:nvSpPr>
-          <p:cNvPr id="2" name="Title 1">
-            <a:extLst>
-              <a:ext uri="{FF2B5EF4-FFF2-40B4-BE49-F238E27FC236}">
-                <a16:creationId xmlns:a16="http://schemas.microsoft.com/office/drawing/2014/main" id="{7B3DC858-4BE7-45A1-8820-216CBDD6A4BB}"/>
-              </a:ext>
-            </a:extLst>
-          </p:cNvPr>
-          <p:cNvSpPr>
-            <a:spLocks noGrp="1"/>
-          </p:cNvSpPr>
-          <p:nvPr>
-            <p:ph type="ctrTitle"/>
-          </p:nvPr>
-        </p:nvSpPr>
-        <p:spPr/>
-        <p:txBody>
-          <a:bodyPr/>
-          <a:lstStyle/>
-          <a:p>
-            <a:r>
-              <a:rPr lang="he-IL" dirty="0"/>
-              <a:t>הַַאוֹהֲלִים </a:t>
-            </a:r>
-            <a:r>
-              <a:rPr lang="en-US" dirty="0"/>
-              <a:t>  </a:t>
-            </a:r>
-          </a:p>
-        </p:txBody>
-      </p:sp>
-      <p:sp>
-        <p:nvSpPr>
-          <p:cNvPr id="3" name="Subtitle 2">
-            <a:extLst>
-              <a:ext uri="{FF2B5EF4-FFF2-40B4-BE49-F238E27FC236}">
-                <a16:creationId xmlns:a16="http://schemas.microsoft.com/office/drawing/2014/main" id="{2648AAF5-D0E0-4BC9-AFA3-35BC65240E79}"/>
-              </a:ext>
-            </a:extLst>
-          </p:cNvPr>
-          <p:cNvSpPr>
-            <a:spLocks noGrp="1"/>
-          </p:cNvSpPr>
-          <p:nvPr>
-            <p:ph type="subTitle" idx="1"/>
-          </p:nvPr>
-        </p:nvSpPr>
-        <p:spPr/>
-        <p:txBody>
-          <a:bodyPr/>
-          <a:lstStyle/>
-          <a:p>
-            <a:endParaRPr lang="en-US"/>
-          </a:p>
-        </p:txBody>
-      </p:sp>
-    </p:spTree>
-    <p:extLst>
-      <p:ext uri="{BB962C8B-B14F-4D97-AF65-F5344CB8AC3E}">
-        <p14:creationId xmlns:p14="http://schemas.microsoft.com/office/powerpoint/2010/main" val="2133917798"/>
-      </p:ext>
-    </p:extLst>
-  </p:cSld>
-  <p:clrMapOvr>
-    <a:masterClrMapping/>
-  </p:clrMapOvr>
-</p:sld>
-</file>
-
-<file path=ppt/slides/slide47.xml><?xml version="1.0" encoding="utf-8"?>
-<p:sld xmlns:a="http://schemas.openxmlformats.org/drawingml/2006/main" xmlns:r="http://schemas.openxmlformats.org/officeDocument/2006/relationships" xmlns:p="http://schemas.openxmlformats.org/presentationml/2006/main">
-  <p:cSld>
-    <p:spTree>
-      <p:nvGrpSpPr>
-        <p:cNvPr id="1" name=""/>
-        <p:cNvGrpSpPr/>
-        <p:nvPr/>
-      </p:nvGrpSpPr>
-      <p:grpSpPr>
-        <a:xfrm>
-          <a:off x="0" y="0"/>
-          <a:ext cx="0" cy="0"/>
-          <a:chOff x="0" y="0"/>
-          <a:chExt cx="0" cy="0"/>
-        </a:xfrm>
-      </p:grpSpPr>
-      <p:pic>
-        <p:nvPicPr>
-          <p:cNvPr id="2" name="Google Shape;185;p19" descr="C:\Users\spanport\Desktop\Spanish.psycophy\images\yellow.png"/>
-          <p:cNvPicPr preferRelativeResize="0"/>
-          <p:nvPr/>
-        </p:nvPicPr>
-        <p:blipFill rotWithShape="1">
-          <a:blip r:embed="rId2">
-            <a:alphaModFix/>
-          </a:blip>
-          <a:srcRect/>
-          <a:stretch/>
-        </p:blipFill>
-        <p:spPr>
-          <a:xfrm>
-            <a:off x="3714675" y="2571675"/>
-            <a:ext cx="1714649" cy="1714649"/>
-          </a:xfrm>
-          <a:prstGeom prst="rect">
-            <a:avLst/>
-          </a:prstGeom>
-          <a:noFill/>
-          <a:ln>
-            <a:noFill/>
-          </a:ln>
-        </p:spPr>
-      </p:pic>
-    </p:spTree>
-    <p:extLst>
-      <p:ext uri="{BB962C8B-B14F-4D97-AF65-F5344CB8AC3E}">
-        <p14:creationId xmlns:p14="http://schemas.microsoft.com/office/powerpoint/2010/main" val="4273709121"/>
-      </p:ext>
-    </p:extLst>
-  </p:cSld>
-  <p:clrMapOvr>
-    <a:masterClrMapping/>
-  </p:clrMapOvr>
-</p:sld>
-</file>
-
-<file path=ppt/slides/slide5.xml><?xml version="1.0" encoding="utf-8"?>
-<p:sld xmlns:a="http://schemas.openxmlformats.org/drawingml/2006/main" xmlns:r="http://schemas.openxmlformats.org/officeDocument/2006/relationships" xmlns:p="http://schemas.openxmlformats.org/presentationml/2006/main">
-  <p:cSld>
-    <p:spTree>
-      <p:nvGrpSpPr>
-        <p:cNvPr id="1" name=""/>
-        <p:cNvGrpSpPr/>
-        <p:nvPr/>
-      </p:nvGrpSpPr>
-      <p:grpSpPr>
-        <a:xfrm>
-          <a:off x="0" y="0"/>
-          <a:ext cx="0" cy="0"/>
-          <a:chOff x="0" y="0"/>
-          <a:chExt cx="0" cy="0"/>
-        </a:xfrm>
-      </p:grpSpPr>
-      <p:sp>
-        <p:nvSpPr>
-          <p:cNvPr id="2" name="Title 1"/>
-          <p:cNvSpPr>
-            <a:spLocks noGrp="1"/>
-          </p:cNvSpPr>
-          <p:nvPr>
-            <p:ph type="ctrTitle"/>
-          </p:nvPr>
-        </p:nvSpPr>
-        <p:spPr/>
-        <p:txBody>
-          <a:bodyPr/>
-          <a:lstStyle/>
-          <a:p>
-            <a:r>
-              <a:rPr lang="he-IL" dirty="0"/>
-              <a:t>אִיש</a:t>
-            </a:r>
-            <a:endParaRPr lang="en-US" dirty="0"/>
-          </a:p>
-        </p:txBody>
-      </p:sp>
-      <p:sp>
-        <p:nvSpPr>
-          <p:cNvPr id="3" name="Subtitle 2"/>
-          <p:cNvSpPr>
-            <a:spLocks noGrp="1"/>
-          </p:cNvSpPr>
-          <p:nvPr>
-            <p:ph type="subTitle" idx="1"/>
-          </p:nvPr>
-        </p:nvSpPr>
-        <p:spPr/>
-        <p:txBody>
-          <a:bodyPr/>
-          <a:lstStyle/>
-          <a:p>
-            <a:endParaRPr lang="en-US" dirty="0"/>
-          </a:p>
-        </p:txBody>
-      </p:sp>
-    </p:spTree>
-    <p:extLst>
-      <p:ext uri="{BB962C8B-B14F-4D97-AF65-F5344CB8AC3E}">
-        <p14:creationId xmlns:p14="http://schemas.microsoft.com/office/powerpoint/2010/main" val="3835404586"/>
-      </p:ext>
-    </p:extLst>
-  </p:cSld>
-  <p:clrMapOvr>
-    <a:masterClrMapping/>
-  </p:clrMapOvr>
-</p:sld>
-</file>
-
-<file path=ppt/slides/slide6.xml><?xml version="1.0" encoding="utf-8"?>
-<p:sld xmlns:a="http://schemas.openxmlformats.org/drawingml/2006/main" xmlns:r="http://schemas.openxmlformats.org/officeDocument/2006/relationships" xmlns:p="http://schemas.openxmlformats.org/presentationml/2006/main">
-  <p:cSld>
-    <p:spTree>
-      <p:nvGrpSpPr>
-        <p:cNvPr id="1" name="Shape 112"/>
-        <p:cNvGrpSpPr/>
-        <p:nvPr/>
-      </p:nvGrpSpPr>
-      <p:grpSpPr>
-        <a:xfrm>
-          <a:off x="0" y="0"/>
-          <a:ext cx="0" cy="0"/>
-          <a:chOff x="0" y="0"/>
-          <a:chExt cx="0" cy="0"/>
-        </a:xfrm>
-      </p:grpSpPr>
-      <p:pic>
-        <p:nvPicPr>
-          <p:cNvPr id="3" name="Google Shape;124;p8" descr="C:\Users\spanport\Desktop\Spanish.psycophy\images\verde.png">
-            <a:extLst>
-              <a:ext uri="{FF2B5EF4-FFF2-40B4-BE49-F238E27FC236}">
-                <a16:creationId xmlns:a16="http://schemas.microsoft.com/office/drawing/2014/main" id="{C8C457A2-71CC-401F-9AD8-AAE4BD1A0288}"/>
-              </a:ext>
-            </a:extLst>
-          </p:cNvPr>
-          <p:cNvPicPr preferRelativeResize="0"/>
-          <p:nvPr/>
-        </p:nvPicPr>
-        <p:blipFill rotWithShape="1">
-          <a:blip r:embed="rId3">
-            <a:alphaModFix/>
-          </a:blip>
-          <a:srcRect/>
-          <a:stretch/>
-        </p:blipFill>
-        <p:spPr>
-          <a:xfrm>
-            <a:off x="3059832" y="2276872"/>
-            <a:ext cx="2304256" cy="2232248"/>
-          </a:xfrm>
-          <a:prstGeom prst="rect">
-            <a:avLst/>
-          </a:prstGeom>
-          <a:noFill/>
-          <a:ln>
-            <a:noFill/>
-          </a:ln>
-        </p:spPr>
-      </p:pic>
-    </p:spTree>
-    <p:extLst>
-      <p:ext uri="{BB962C8B-B14F-4D97-AF65-F5344CB8AC3E}">
-        <p14:creationId xmlns:p14="http://schemas.microsoft.com/office/powerpoint/2010/main" val="3977572581"/>
-      </p:ext>
-    </p:extLst>
-  </p:cSld>
-  <p:clrMapOvr>
-    <a:masterClrMapping/>
-  </p:clrMapOvr>
-</p:sld>
-</file>
-
-<file path=ppt/slides/slide7.xml><?xml version="1.0" encoding="utf-8"?>
-<p:sld xmlns:a="http://schemas.openxmlformats.org/drawingml/2006/main" xmlns:r="http://schemas.openxmlformats.org/officeDocument/2006/relationships" xmlns:p="http://schemas.openxmlformats.org/presentationml/2006/main">
-  <p:cSld>
-    <p:spTree>
-      <p:nvGrpSpPr>
-        <p:cNvPr id="1" name=""/>
-        <p:cNvGrpSpPr/>
-        <p:nvPr/>
-      </p:nvGrpSpPr>
-      <p:grpSpPr>
-        <a:xfrm>
-          <a:off x="0" y="0"/>
-          <a:ext cx="0" cy="0"/>
-          <a:chOff x="0" y="0"/>
-          <a:chExt cx="0" cy="0"/>
-        </a:xfrm>
-      </p:grpSpPr>
-      <p:sp>
-        <p:nvSpPr>
-          <p:cNvPr id="2" name="Title 1"/>
-          <p:cNvSpPr>
-            <a:spLocks noGrp="1"/>
-          </p:cNvSpPr>
-          <p:nvPr>
-            <p:ph type="ctrTitle"/>
-          </p:nvPr>
-        </p:nvSpPr>
-        <p:spPr/>
-        <p:txBody>
-          <a:bodyPr/>
-          <a:lstStyle/>
-          <a:p>
-            <a:r>
-              <a:rPr lang="he-IL" dirty="0"/>
-              <a:t>יֶלֶד</a:t>
-            </a:r>
-            <a:endParaRPr lang="en-US" dirty="0"/>
-          </a:p>
-        </p:txBody>
-      </p:sp>
-      <p:sp>
-        <p:nvSpPr>
-          <p:cNvPr id="3" name="Subtitle 2"/>
-          <p:cNvSpPr>
-            <a:spLocks noGrp="1"/>
-          </p:cNvSpPr>
-          <p:nvPr>
-            <p:ph type="subTitle" idx="1"/>
-          </p:nvPr>
-        </p:nvSpPr>
-        <p:spPr/>
-        <p:txBody>
-          <a:bodyPr/>
-          <a:lstStyle/>
-          <a:p>
-            <a:endParaRPr lang="en-US"/>
-          </a:p>
-        </p:txBody>
-      </p:sp>
-    </p:spTree>
-    <p:extLst>
-      <p:ext uri="{BB962C8B-B14F-4D97-AF65-F5344CB8AC3E}">
-        <p14:creationId xmlns:p14="http://schemas.microsoft.com/office/powerpoint/2010/main" val="1013426435"/>
-      </p:ext>
-    </p:extLst>
-  </p:cSld>
-  <p:clrMapOvr>
-    <a:masterClrMapping/>
-  </p:clrMapOvr>
-</p:sld>
-</file>
-
-<file path=ppt/slides/slide8.xml><?xml version="1.0" encoding="utf-8"?>
-<p:sld xmlns:a="http://schemas.openxmlformats.org/drawingml/2006/main" xmlns:r="http://schemas.openxmlformats.org/officeDocument/2006/relationships" xmlns:p="http://schemas.openxmlformats.org/presentationml/2006/main">
-  <p:cSld>
-    <p:spTree>
-      <p:nvGrpSpPr>
-        <p:cNvPr id="1" name=""/>
-        <p:cNvGrpSpPr/>
-        <p:nvPr/>
-      </p:nvGrpSpPr>
-      <p:grpSpPr>
-        <a:xfrm>
-          <a:off x="0" y="0"/>
-          <a:ext cx="0" cy="0"/>
-          <a:chOff x="0" y="0"/>
-          <a:chExt cx="0" cy="0"/>
-        </a:xfrm>
-      </p:grpSpPr>
-      <p:sp>
-        <p:nvSpPr>
-          <p:cNvPr id="2" name="Rectangle 1"/>
-          <p:cNvSpPr>
-            <a:spLocks noChangeArrowheads="1"/>
-          </p:cNvSpPr>
-          <p:nvPr/>
-        </p:nvSpPr>
-        <p:spPr bwMode="auto">
-          <a:xfrm>
-            <a:off x="0" y="0"/>
-            <a:ext cx="9144000" cy="457200"/>
-          </a:xfrm>
-          <a:prstGeom prst="rect">
-            <a:avLst/>
-          </a:prstGeom>
-          <a:noFill/>
-          <a:ln>
-            <a:noFill/>
-          </a:ln>
-          <a:effectLst/>
-          <a:extLst>
-            <a:ext uri="{909E8E84-426E-40DD-AFC4-6F175D3DCCD1}">
-              <a14:hiddenFill xmlns:a14="http://schemas.microsoft.com/office/drawing/2010/main">
-                <a:solidFill>
-                  <a:schemeClr val="accent1"/>
-                </a:solidFill>
-              </a14:hiddenFill>
-            </a:ext>
-            <a:ext uri="{91240B29-F687-4F45-9708-019B960494DF}">
-              <a14:hiddenLine xmlns:a14="http://schemas.microsoft.com/office/drawing/2010/main" w="9525">
-                <a:solidFill>
-                  <a:schemeClr val="tx1"/>
-                </a:solidFill>
-                <a:miter lim="800000"/>
-                <a:headEnd/>
-                <a:tailEnd/>
-              </a14:hiddenLine>
-            </a:ext>
-            <a:ext uri="{AF507438-7753-43E0-B8FC-AC1667EBCBE1}">
-              <a14:hiddenEffects xmlns:a14="http://schemas.microsoft.com/office/drawing/2010/main">
-                <a:effectLst>
-                  <a:outerShdw dist="35921" dir="2700000" algn="ctr" rotWithShape="0">
-                    <a:schemeClr val="bg2"/>
-                  </a:outerShdw>
-                </a:effectLst>
-              </a14:hiddenEffects>
-            </a:ext>
-          </a:extLst>
-        </p:spPr>
-        <p:txBody>
-          <a:bodyPr vert="horz" wrap="none" lIns="91440" tIns="45720" rIns="91440" bIns="45720" numCol="1" anchor="ctr" anchorCtr="0" compatLnSpc="1">
-            <a:prstTxWarp prst="textNoShape">
-              <a:avLst/>
-            </a:prstTxWarp>
-            <a:spAutoFit/>
-          </a:bodyPr>
-          <a:lstStyle/>
-          <a:p>
-            <a:pPr marL="0" marR="0" lvl="0" indent="0" algn="r" defTabSz="914400" rtl="0" eaLnBrk="1" fontAlgn="base" latinLnBrk="0" hangingPunct="1">
-              <a:lnSpc>
-                <a:spcPct val="100000"/>
-              </a:lnSpc>
-              <a:spcBef>
-                <a:spcPct val="0"/>
-              </a:spcBef>
-              <a:spcAft>
-                <a:spcPct val="0"/>
-              </a:spcAft>
-              <a:buClrTx/>
-              <a:buSzTx/>
-              <a:buFontTx/>
-              <a:buNone/>
-              <a:tabLst/>
-            </a:pPr>
-            <a:r>
-              <a:rPr kumimoji="0" lang="he-IL" altLang="en-US" sz="1000" b="0" i="0" u="none" strike="noStrike" cap="none" normalizeH="0" baseline="0">
-                <a:ln>
-                  <a:noFill/>
-                </a:ln>
-                <a:solidFill>
-                  <a:schemeClr val="tx1"/>
-                </a:solidFill>
-                <a:effectLst/>
-                <a:latin typeface="Arial Unicode MS"/>
-                <a:cs typeface="Arial" charset="0"/>
-              </a:rPr>
-              <a:t>חתול</a:t>
-            </a:r>
-            <a:r>
-              <a:rPr kumimoji="0" lang="en-US" altLang="en-US" sz="600" b="0" i="0" u="none" strike="noStrike" cap="none" normalizeH="0" baseline="0">
-                <a:ln>
-                  <a:noFill/>
-                </a:ln>
-                <a:solidFill>
-                  <a:schemeClr val="tx1"/>
-                </a:solidFill>
-                <a:effectLst/>
-                <a:latin typeface="Arial" charset="0"/>
-                <a:cs typeface="Arial" charset="0"/>
-              </a:rPr>
-              <a:t> </a:t>
-            </a:r>
-            <a:endParaRPr kumimoji="0" lang="en-US" altLang="en-US" sz="1800" b="0" i="0" u="none" strike="noStrike" cap="none" normalizeH="0" baseline="0">
-              <a:ln>
-                <a:noFill/>
-              </a:ln>
-              <a:solidFill>
-                <a:schemeClr val="tx1"/>
-              </a:solidFill>
-              <a:effectLst/>
-              <a:latin typeface="Arial" charset="0"/>
-              <a:cs typeface="Arial" charset="0"/>
-            </a:endParaRPr>
-          </a:p>
-        </p:txBody>
-      </p:sp>
-      <p:pic>
-        <p:nvPicPr>
-          <p:cNvPr id="4" name="Google Shape;113;p6" descr="C:\Users\spanport\Desktop\Spanish.psycophy\images\azul.png">
-            <a:extLst>
-              <a:ext uri="{FF2B5EF4-FFF2-40B4-BE49-F238E27FC236}">
-                <a16:creationId xmlns:a16="http://schemas.microsoft.com/office/drawing/2014/main" id="{C66B71AD-02D1-486F-95B1-9F0A1D5DE02E}"/>
-              </a:ext>
-            </a:extLst>
-          </p:cNvPr>
-          <p:cNvPicPr preferRelativeResize="0"/>
-          <p:nvPr/>
-        </p:nvPicPr>
-        <p:blipFill rotWithShape="1">
-          <a:blip r:embed="rId2">
-            <a:alphaModFix/>
-          </a:blip>
-          <a:srcRect/>
-          <a:stretch/>
-        </p:blipFill>
-        <p:spPr>
-          <a:xfrm>
-            <a:off x="3347864" y="2420888"/>
-            <a:ext cx="2088232" cy="2160240"/>
-          </a:xfrm>
-          <a:prstGeom prst="rect">
-            <a:avLst/>
-          </a:prstGeom>
-          <a:noFill/>
-          <a:ln>
-            <a:noFill/>
-          </a:ln>
-        </p:spPr>
-      </p:pic>
-    </p:spTree>
-    <p:extLst>
-      <p:ext uri="{BB962C8B-B14F-4D97-AF65-F5344CB8AC3E}">
-        <p14:creationId xmlns:p14="http://schemas.microsoft.com/office/powerpoint/2010/main" val="1457038733"/>
-      </p:ext>
-    </p:extLst>
-  </p:cSld>
-  <p:clrMapOvr>
-    <a:masterClrMapping/>
-  </p:clrMapOvr>
-</p:sld>
-</file>
-
 <file path=ppt/slides/slide9.xml><?xml version="1.0" encoding="utf-8"?>
 <p:sld xmlns:a="http://schemas.openxmlformats.org/drawingml/2006/main" xmlns:r="http://schemas.openxmlformats.org/officeDocument/2006/relationships" xmlns:p="http://schemas.openxmlformats.org/presentationml/2006/main">
   <p:cSld>
@@ -8376,7 +6688,13 @@
       </p:grpSpPr>
       <p:sp>
         <p:nvSpPr>
-          <p:cNvPr id="2" name="Title 1"/>
+          <p:cNvPr id="2" name="Title 1">
+            <a:extLst>
+              <a:ext uri="{FF2B5EF4-FFF2-40B4-BE49-F238E27FC236}">
+                <a16:creationId xmlns:a16="http://schemas.microsoft.com/office/drawing/2014/main" id="{E552D1C3-8FE9-4DF3-94A9-4FE2FE262823}"/>
+              </a:ext>
+            </a:extLst>
+          </p:cNvPr>
           <p:cNvSpPr>
             <a:spLocks noGrp="1"/>
           </p:cNvSpPr>
@@ -8391,7 +6709,7 @@
           <a:p>
             <a:r>
               <a:rPr lang="he-IL" dirty="0"/>
-              <a:t>יָלְדָה</a:t>
+              <a:t> הַבּוּלים </a:t>
             </a:r>
             <a:endParaRPr lang="en-US" dirty="0"/>
           </a:p>
@@ -8399,7 +6717,13 @@
       </p:sp>
       <p:sp>
         <p:nvSpPr>
-          <p:cNvPr id="3" name="Subtitle 2"/>
+          <p:cNvPr id="3" name="Subtitle 2">
+            <a:extLst>
+              <a:ext uri="{FF2B5EF4-FFF2-40B4-BE49-F238E27FC236}">
+                <a16:creationId xmlns:a16="http://schemas.microsoft.com/office/drawing/2014/main" id="{AA566CAA-E838-488A-8AEA-5E1E2036478B}"/>
+              </a:ext>
+            </a:extLst>
+          </p:cNvPr>
           <p:cNvSpPr>
             <a:spLocks noGrp="1"/>
           </p:cNvSpPr>
@@ -8419,7 +6743,7 @@
     </p:spTree>
     <p:extLst>
       <p:ext uri="{BB962C8B-B14F-4D97-AF65-F5344CB8AC3E}">
-        <p14:creationId xmlns:p14="http://schemas.microsoft.com/office/powerpoint/2010/main" val="2062145378"/>
+        <p14:creationId xmlns:p14="http://schemas.microsoft.com/office/powerpoint/2010/main" val="96392885"/>
       </p:ext>
     </p:extLst>
   </p:cSld>
